--- a/#2 React Intro + JSX/2017.04.06 Create project - webpack, babel - Copy.pptx
+++ b/#2 React Intro + JSX/2017.04.06 Create project - webpack, babel - Copy.pptx
@@ -5,14 +5,16 @@
     <p:sldMasterId id="2147483648" r:id="rId4"/>
   </p:sldMasterIdLst>
   <p:notesMasterIdLst>
-    <p:notesMasterId r:id="rId7"/>
+    <p:notesMasterId r:id="rId9"/>
   </p:notesMasterIdLst>
   <p:handoutMasterIdLst>
-    <p:handoutMasterId r:id="rId8"/>
+    <p:handoutMasterId r:id="rId10"/>
   </p:handoutMasterIdLst>
   <p:sldIdLst>
-    <p:sldId id="380" r:id="rId5"/>
-    <p:sldId id="381" r:id="rId6"/>
+    <p:sldId id="381" r:id="rId5"/>
+    <p:sldId id="382" r:id="rId6"/>
+    <p:sldId id="384" r:id="rId7"/>
+    <p:sldId id="387" r:id="rId8"/>
   </p:sldIdLst>
   <p:sldSz cx="12192000" cy="6858000"/>
   <p:notesSz cx="6858000" cy="9144000"/>
@@ -306,7 +308,7 @@
             <a:fld id="{C5BF0B3C-1E52-489E-B0F5-F17A69FC3DF5}" type="datetimeFigureOut">
               <a:rPr lang="en-US" smtClean="0"/>
               <a:pPr/>
-              <a:t>3/31/2017</a:t>
+              <a:t>4/6/2017</a:t>
             </a:fld>
             <a:endParaRPr lang="en-US" dirty="0"/>
           </a:p>
@@ -489,7 +491,7 @@
             <a:fld id="{C5BF0B3C-1E52-489E-B0F5-F17A69FC3DF5}" type="datetimeFigureOut">
               <a:rPr lang="en-US" smtClean="0"/>
               <a:pPr/>
-              <a:t>3/31/2017</a:t>
+              <a:t>4/6/2017</a:t>
             </a:fld>
             <a:endParaRPr lang="en-US" dirty="0"/>
           </a:p>
@@ -772,346 +774,6 @@
     </a:lvl9pPr>
   </p:notesStyle>
 </p:notesMaster>
-</file>
-
-<file path=ppt/notesSlides/notesSlide1.xml><?xml version="1.0" encoding="utf-8"?>
-<p:notes xmlns:a="http://schemas.openxmlformats.org/drawingml/2006/main" xmlns:r="http://schemas.openxmlformats.org/officeDocument/2006/relationships" xmlns:p="http://schemas.openxmlformats.org/presentationml/2006/main">
-  <p:cSld>
-    <p:spTree>
-      <p:nvGrpSpPr>
-        <p:cNvPr id="1" name=""/>
-        <p:cNvGrpSpPr/>
-        <p:nvPr/>
-      </p:nvGrpSpPr>
-      <p:grpSpPr>
-        <a:xfrm>
-          <a:off x="0" y="0"/>
-          <a:ext cx="0" cy="0"/>
-          <a:chOff x="0" y="0"/>
-          <a:chExt cx="0" cy="0"/>
-        </a:xfrm>
-      </p:grpSpPr>
-      <p:sp>
-        <p:nvSpPr>
-          <p:cNvPr id="2" name="Slide Image Placeholder 1"/>
-          <p:cNvSpPr>
-            <a:spLocks noGrp="1" noRot="1" noChangeAspect="1"/>
-          </p:cNvSpPr>
-          <p:nvPr>
-            <p:ph type="sldImg"/>
-          </p:nvPr>
-        </p:nvSpPr>
-        <p:spPr/>
-      </p:sp>
-      <p:sp>
-        <p:nvSpPr>
-          <p:cNvPr id="3" name="Notes Placeholder 2"/>
-          <p:cNvSpPr>
-            <a:spLocks noGrp="1"/>
-          </p:cNvSpPr>
-          <p:nvPr>
-            <p:ph type="body" idx="1"/>
-          </p:nvPr>
-        </p:nvSpPr>
-        <p:spPr/>
-        <p:txBody>
-          <a:bodyPr/>
-          <a:lstStyle/>
-          <a:p>
-            <a:r>
-              <a:rPr lang="pl-PL" dirty="0" smtClean="0"/>
-              <a:t>We want to be a master in JS </a:t>
-            </a:r>
-            <a:r>
-              <a:rPr lang="pl-PL" dirty="0" err="1" smtClean="0"/>
-              <a:t>ecosystem</a:t>
-            </a:r>
-            <a:r>
-              <a:rPr lang="pl-PL" dirty="0" smtClean="0"/>
-              <a:t>.</a:t>
-            </a:r>
-            <a:r>
-              <a:rPr lang="pl-PL" baseline="0" dirty="0" smtClean="0"/>
-              <a:t> We want to </a:t>
-            </a:r>
-            <a:r>
-              <a:rPr lang="pl-PL" baseline="0" dirty="0" err="1" smtClean="0"/>
-              <a:t>create</a:t>
-            </a:r>
-            <a:r>
-              <a:rPr lang="pl-PL" baseline="0" dirty="0" smtClean="0"/>
-              <a:t> a team, </a:t>
-            </a:r>
-            <a:r>
-              <a:rPr lang="pl-PL" baseline="0" dirty="0" err="1" smtClean="0"/>
-              <a:t>group</a:t>
-            </a:r>
-            <a:r>
-              <a:rPr lang="pl-PL" baseline="0" dirty="0" smtClean="0"/>
-              <a:t> of </a:t>
-            </a:r>
-            <a:r>
-              <a:rPr lang="pl-PL" baseline="0" dirty="0" err="1" smtClean="0"/>
-              <a:t>people</a:t>
-            </a:r>
-            <a:r>
-              <a:rPr lang="pl-PL" baseline="0" dirty="0" smtClean="0"/>
-              <a:t>, </a:t>
-            </a:r>
-            <a:r>
-              <a:rPr lang="pl-PL" baseline="0" dirty="0" err="1" smtClean="0"/>
-              <a:t>who</a:t>
-            </a:r>
-            <a:r>
-              <a:rPr lang="pl-PL" baseline="0" dirty="0" smtClean="0"/>
-              <a:t> </a:t>
-            </a:r>
-            <a:r>
-              <a:rPr lang="pl-PL" baseline="0" dirty="0" err="1" smtClean="0"/>
-              <a:t>have</a:t>
-            </a:r>
-            <a:r>
-              <a:rPr lang="pl-PL" baseline="0" dirty="0" smtClean="0"/>
-              <a:t> a </a:t>
-            </a:r>
-            <a:r>
-              <a:rPr lang="pl-PL" baseline="0" dirty="0" err="1" smtClean="0"/>
-              <a:t>deep</a:t>
-            </a:r>
-            <a:r>
-              <a:rPr lang="pl-PL" baseline="0" dirty="0" smtClean="0"/>
-              <a:t> </a:t>
-            </a:r>
-            <a:r>
-              <a:rPr lang="pl-PL" baseline="0" dirty="0" err="1" smtClean="0"/>
-              <a:t>understanding</a:t>
-            </a:r>
-            <a:r>
-              <a:rPr lang="pl-PL" baseline="0" dirty="0" smtClean="0"/>
-              <a:t> of </a:t>
-            </a:r>
-            <a:r>
-              <a:rPr lang="pl-PL" baseline="0" dirty="0" err="1" smtClean="0"/>
-              <a:t>at</a:t>
-            </a:r>
-            <a:r>
-              <a:rPr lang="pl-PL" baseline="0" dirty="0" smtClean="0"/>
-              <a:t> </a:t>
-            </a:r>
-            <a:r>
-              <a:rPr lang="pl-PL" baseline="0" dirty="0" err="1" smtClean="0"/>
-              <a:t>least</a:t>
-            </a:r>
-            <a:r>
-              <a:rPr lang="pl-PL" baseline="0" dirty="0" smtClean="0"/>
-              <a:t> one top popular JS </a:t>
-            </a:r>
-            <a:r>
-              <a:rPr lang="pl-PL" baseline="0" dirty="0" err="1" smtClean="0"/>
-              <a:t>technology</a:t>
-            </a:r>
-            <a:r>
-              <a:rPr lang="pl-PL" baseline="0" dirty="0" smtClean="0"/>
-              <a:t>.</a:t>
-            </a:r>
-          </a:p>
-          <a:p>
-            <a:r>
-              <a:rPr lang="pl-PL" baseline="0" dirty="0" err="1" smtClean="0"/>
-              <a:t>Everyone</a:t>
-            </a:r>
-            <a:r>
-              <a:rPr lang="pl-PL" baseline="0" dirty="0" smtClean="0"/>
-              <a:t> – </a:t>
-            </a:r>
-            <a:r>
-              <a:rPr lang="pl-PL" baseline="0" dirty="0" err="1" smtClean="0"/>
-              <a:t>I’m</a:t>
-            </a:r>
-            <a:r>
-              <a:rPr lang="pl-PL" baseline="0" dirty="0" smtClean="0"/>
-              <a:t> not </a:t>
-            </a:r>
-            <a:r>
-              <a:rPr lang="pl-PL" baseline="0" dirty="0" err="1" smtClean="0"/>
-              <a:t>an</a:t>
-            </a:r>
-            <a:r>
-              <a:rPr lang="pl-PL" baseline="0" dirty="0" smtClean="0"/>
-              <a:t> </a:t>
-            </a:r>
-            <a:r>
-              <a:rPr lang="pl-PL" baseline="0" dirty="0" err="1" smtClean="0"/>
-              <a:t>expert</a:t>
-            </a:r>
-            <a:r>
-              <a:rPr lang="pl-PL" baseline="0" dirty="0" smtClean="0"/>
-              <a:t> – </a:t>
-            </a:r>
-            <a:r>
-              <a:rPr lang="pl-PL" baseline="0" dirty="0" err="1" smtClean="0"/>
-              <a:t>you</a:t>
-            </a:r>
-            <a:r>
-              <a:rPr lang="pl-PL" baseline="0" dirty="0" smtClean="0"/>
-              <a:t> </a:t>
-            </a:r>
-            <a:r>
-              <a:rPr lang="pl-PL" baseline="0" dirty="0" err="1" smtClean="0"/>
-              <a:t>don’t</a:t>
-            </a:r>
-            <a:r>
-              <a:rPr lang="pl-PL" baseline="0" dirty="0" smtClean="0"/>
-              <a:t> </a:t>
-            </a:r>
-            <a:r>
-              <a:rPr lang="pl-PL" baseline="0" dirty="0" err="1" smtClean="0"/>
-              <a:t>have</a:t>
-            </a:r>
-            <a:r>
-              <a:rPr lang="pl-PL" baseline="0" dirty="0" smtClean="0"/>
-              <a:t> to </a:t>
-            </a:r>
-            <a:r>
-              <a:rPr lang="pl-PL" baseline="0" dirty="0" err="1" smtClean="0"/>
-              <a:t>too</a:t>
-            </a:r>
-            <a:r>
-              <a:rPr lang="pl-PL" baseline="0" dirty="0" smtClean="0"/>
-              <a:t> </a:t>
-            </a:r>
-            <a:r>
-              <a:rPr lang="pl-PL" baseline="0" dirty="0" smtClean="0">
-                <a:sym typeface="Wingdings" panose="05000000000000000000" pitchFamily="2" charset="2"/>
-              </a:rPr>
-              <a:t></a:t>
-            </a:r>
-          </a:p>
-          <a:p>
-            <a:r>
-              <a:rPr lang="pl-PL" baseline="0" dirty="0" err="1" smtClean="0">
-                <a:sym typeface="Wingdings" panose="05000000000000000000" pitchFamily="2" charset="2"/>
-              </a:rPr>
-              <a:t>Every</a:t>
-            </a:r>
-            <a:r>
-              <a:rPr lang="pl-PL" baseline="0" dirty="0" smtClean="0">
-                <a:sym typeface="Wingdings" panose="05000000000000000000" pitchFamily="2" charset="2"/>
-              </a:rPr>
-              <a:t> </a:t>
-            </a:r>
-            <a:r>
-              <a:rPr lang="pl-PL" baseline="0" dirty="0" err="1" smtClean="0">
-                <a:sym typeface="Wingdings" panose="05000000000000000000" pitchFamily="2" charset="2"/>
-              </a:rPr>
-              <a:t>two</a:t>
-            </a:r>
-            <a:r>
-              <a:rPr lang="pl-PL" baseline="0" dirty="0" smtClean="0">
-                <a:sym typeface="Wingdings" panose="05000000000000000000" pitchFamily="2" charset="2"/>
-              </a:rPr>
-              <a:t> </a:t>
-            </a:r>
-            <a:r>
-              <a:rPr lang="pl-PL" baseline="0" dirty="0" err="1" smtClean="0">
-                <a:sym typeface="Wingdings" panose="05000000000000000000" pitchFamily="2" charset="2"/>
-              </a:rPr>
-              <a:t>weeks</a:t>
-            </a:r>
-            <a:r>
-              <a:rPr lang="pl-PL" baseline="0" dirty="0" smtClean="0">
-                <a:sym typeface="Wingdings" panose="05000000000000000000" pitchFamily="2" charset="2"/>
-              </a:rPr>
-              <a:t> – we </a:t>
-            </a:r>
-            <a:r>
-              <a:rPr lang="pl-PL" baseline="0" dirty="0" err="1" smtClean="0">
-                <a:sym typeface="Wingdings" panose="05000000000000000000" pitchFamily="2" charset="2"/>
-              </a:rPr>
-              <a:t>already</a:t>
-            </a:r>
-            <a:r>
-              <a:rPr lang="pl-PL" baseline="0" dirty="0" smtClean="0">
-                <a:sym typeface="Wingdings" panose="05000000000000000000" pitchFamily="2" charset="2"/>
-              </a:rPr>
-              <a:t> </a:t>
-            </a:r>
-            <a:r>
-              <a:rPr lang="pl-PL" baseline="0" dirty="0" err="1" smtClean="0">
-                <a:sym typeface="Wingdings" panose="05000000000000000000" pitchFamily="2" charset="2"/>
-              </a:rPr>
-              <a:t>have</a:t>
-            </a:r>
-            <a:r>
-              <a:rPr lang="pl-PL" baseline="0" dirty="0" smtClean="0">
-                <a:sym typeface="Wingdings" panose="05000000000000000000" pitchFamily="2" charset="2"/>
-              </a:rPr>
-              <a:t> a plan for 9 </a:t>
-            </a:r>
-            <a:r>
-              <a:rPr lang="pl-PL" baseline="0" dirty="0" err="1" smtClean="0">
-                <a:sym typeface="Wingdings" panose="05000000000000000000" pitchFamily="2" charset="2"/>
-              </a:rPr>
-              <a:t>meetings</a:t>
-            </a:r>
-            <a:endParaRPr lang="pl-PL" baseline="0" dirty="0" smtClean="0">
-              <a:sym typeface="Wingdings" panose="05000000000000000000" pitchFamily="2" charset="2"/>
-            </a:endParaRPr>
-          </a:p>
-          <a:p>
-            <a:r>
-              <a:rPr lang="pl-PL" baseline="0" dirty="0" err="1" smtClean="0">
-                <a:sym typeface="Wingdings" panose="05000000000000000000" pitchFamily="2" charset="2"/>
-              </a:rPr>
-              <a:t>What</a:t>
-            </a:r>
-            <a:r>
-              <a:rPr lang="pl-PL" baseline="0" dirty="0" smtClean="0">
-                <a:sym typeface="Wingdings" panose="05000000000000000000" pitchFamily="2" charset="2"/>
-              </a:rPr>
-              <a:t>: React</a:t>
-            </a:r>
-          </a:p>
-          <a:p>
-            <a:endParaRPr lang="pl-PL" dirty="0"/>
-          </a:p>
-        </p:txBody>
-      </p:sp>
-      <p:sp>
-        <p:nvSpPr>
-          <p:cNvPr id="4" name="Slide Number Placeholder 3"/>
-          <p:cNvSpPr>
-            <a:spLocks noGrp="1"/>
-          </p:cNvSpPr>
-          <p:nvPr>
-            <p:ph type="sldNum" sz="quarter" idx="10"/>
-          </p:nvPr>
-        </p:nvSpPr>
-        <p:spPr/>
-        <p:txBody>
-          <a:bodyPr/>
-          <a:lstStyle/>
-          <a:p>
-            <a:fld id="{482BE62A-086B-44B7-8C0D-9D910583B0B1}" type="slidenum">
-              <a:rPr lang="en-US" smtClean="0"/>
-              <a:pPr/>
-              <a:t>1</a:t>
-            </a:fld>
-            <a:endParaRPr lang="en-US" dirty="0"/>
-          </a:p>
-        </p:txBody>
-      </p:sp>
-    </p:spTree>
-    <p:extLst>
-      <p:ext uri="{BB962C8B-B14F-4D97-AF65-F5344CB8AC3E}">
-        <p14:creationId xmlns:p14="http://schemas.microsoft.com/office/powerpoint/2010/main" val="1766306512"/>
-      </p:ext>
-    </p:extLst>
-  </p:cSld>
-  <p:clrMapOvr>
-    <a:masterClrMapping/>
-  </p:clrMapOvr>
-</p:notes>
 </file>
 
 <file path=ppt/slideLayouts/slideLayout1.xml><?xml version="1.0" encoding="utf-8"?>
@@ -30427,31 +30089,162 @@
       </p:grpSpPr>
       <p:sp>
         <p:nvSpPr>
-          <p:cNvPr id="2" name="Slide Number Placeholder 1"/>
-          <p:cNvSpPr>
-            <a:spLocks noGrp="1"/>
+          <p:cNvPr id="6" name="Slide Number Placeholder 1"/>
+          <p:cNvSpPr txBox="1">
+            <a:spLocks/>
           </p:cNvSpPr>
-          <p:nvPr>
-            <p:ph type="sldNum" sz="quarter" idx="12"/>
-          </p:nvPr>
+          <p:nvPr/>
         </p:nvSpPr>
-        <p:spPr/>
+        <p:spPr>
+          <a:xfrm>
+            <a:off x="11375658" y="6552420"/>
+            <a:ext cx="645160" cy="183515"/>
+          </a:xfrm>
+          <a:prstGeom prst="rect">
+            <a:avLst/>
+          </a:prstGeom>
+        </p:spPr>
         <p:txBody>
           <a:bodyPr/>
-          <a:lstStyle/>
-          <a:p>
-            <a:fld id="{0D558541-60C9-42A2-8392-FF12533A6B7A}" type="slidenum">
-              <a:rPr lang="en-US" smtClean="0"/>
-              <a:pPr/>
-              <a:t>1</a:t>
-            </a:fld>
+          <a:lstStyle>
+            <a:defPPr>
+              <a:defRPr lang="en-US"/>
+            </a:defPPr>
+            <a:lvl1pPr marL="0" algn="l" defTabSz="914400" rtl="0" eaLnBrk="1" latinLnBrk="0" hangingPunct="1">
+              <a:defRPr sz="1800" kern="1200">
+                <a:solidFill>
+                  <a:schemeClr val="tx1"/>
+                </a:solidFill>
+                <a:latin typeface="+mn-lt"/>
+                <a:ea typeface="+mn-ea"/>
+                <a:cs typeface="+mn-cs"/>
+              </a:defRPr>
+            </a:lvl1pPr>
+            <a:lvl2pPr marL="457200" algn="l" defTabSz="914400" rtl="0" eaLnBrk="1" latinLnBrk="0" hangingPunct="1">
+              <a:defRPr sz="1800" kern="1200">
+                <a:solidFill>
+                  <a:schemeClr val="tx1"/>
+                </a:solidFill>
+                <a:latin typeface="+mn-lt"/>
+                <a:ea typeface="+mn-ea"/>
+                <a:cs typeface="+mn-cs"/>
+              </a:defRPr>
+            </a:lvl2pPr>
+            <a:lvl3pPr marL="914400" algn="l" defTabSz="914400" rtl="0" eaLnBrk="1" latinLnBrk="0" hangingPunct="1">
+              <a:defRPr sz="1800" kern="1200">
+                <a:solidFill>
+                  <a:schemeClr val="tx1"/>
+                </a:solidFill>
+                <a:latin typeface="+mn-lt"/>
+                <a:ea typeface="+mn-ea"/>
+                <a:cs typeface="+mn-cs"/>
+              </a:defRPr>
+            </a:lvl3pPr>
+            <a:lvl4pPr marL="1371600" algn="l" defTabSz="914400" rtl="0" eaLnBrk="1" latinLnBrk="0" hangingPunct="1">
+              <a:defRPr sz="1800" kern="1200">
+                <a:solidFill>
+                  <a:schemeClr val="tx1"/>
+                </a:solidFill>
+                <a:latin typeface="+mn-lt"/>
+                <a:ea typeface="+mn-ea"/>
+                <a:cs typeface="+mn-cs"/>
+              </a:defRPr>
+            </a:lvl4pPr>
+            <a:lvl5pPr marL="1828800" algn="l" defTabSz="914400" rtl="0" eaLnBrk="1" latinLnBrk="0" hangingPunct="1">
+              <a:defRPr sz="1800" kern="1200">
+                <a:solidFill>
+                  <a:schemeClr val="tx1"/>
+                </a:solidFill>
+                <a:latin typeface="+mn-lt"/>
+                <a:ea typeface="+mn-ea"/>
+                <a:cs typeface="+mn-cs"/>
+              </a:defRPr>
+            </a:lvl5pPr>
+            <a:lvl6pPr marL="2286000" algn="l" defTabSz="914400" rtl="0" eaLnBrk="1" latinLnBrk="0" hangingPunct="1">
+              <a:defRPr sz="1800" kern="1200">
+                <a:solidFill>
+                  <a:schemeClr val="tx1"/>
+                </a:solidFill>
+                <a:latin typeface="+mn-lt"/>
+                <a:ea typeface="+mn-ea"/>
+                <a:cs typeface="+mn-cs"/>
+              </a:defRPr>
+            </a:lvl6pPr>
+            <a:lvl7pPr marL="2743200" algn="l" defTabSz="914400" rtl="0" eaLnBrk="1" latinLnBrk="0" hangingPunct="1">
+              <a:defRPr sz="1800" kern="1200">
+                <a:solidFill>
+                  <a:schemeClr val="tx1"/>
+                </a:solidFill>
+                <a:latin typeface="+mn-lt"/>
+                <a:ea typeface="+mn-ea"/>
+                <a:cs typeface="+mn-cs"/>
+              </a:defRPr>
+            </a:lvl7pPr>
+            <a:lvl8pPr marL="3200400" algn="l" defTabSz="914400" rtl="0" eaLnBrk="1" latinLnBrk="0" hangingPunct="1">
+              <a:defRPr sz="1800" kern="1200">
+                <a:solidFill>
+                  <a:schemeClr val="tx1"/>
+                </a:solidFill>
+                <a:latin typeface="+mn-lt"/>
+                <a:ea typeface="+mn-ea"/>
+                <a:cs typeface="+mn-cs"/>
+              </a:defRPr>
+            </a:lvl8pPr>
+            <a:lvl9pPr marL="3657600" algn="l" defTabSz="914400" rtl="0" eaLnBrk="1" latinLnBrk="0" hangingPunct="1">
+              <a:defRPr sz="1800" kern="1200">
+                <a:solidFill>
+                  <a:schemeClr val="tx1"/>
+                </a:solidFill>
+                <a:latin typeface="+mn-lt"/>
+                <a:ea typeface="+mn-ea"/>
+                <a:cs typeface="+mn-cs"/>
+              </a:defRPr>
+            </a:lvl9pPr>
+          </a:lstStyle>
+          <a:p>
             <a:endParaRPr lang="en-US" dirty="0"/>
           </a:p>
         </p:txBody>
       </p:sp>
+      <p:pic>
+        <p:nvPicPr>
+          <p:cNvPr id="7" name="Infusion_white.pdf"/>
+          <p:cNvPicPr>
+            <a:picLocks noChangeAspect="1"/>
+          </p:cNvPicPr>
+          <p:nvPr/>
+        </p:nvPicPr>
+        <p:blipFill>
+          <a:blip r:embed="rId2" cstate="email">
+            <a:extLst>
+              <a:ext uri="{28A0092B-C50C-407E-A947-70E740481C1C}">
+                <a14:useLocalDpi xmlns:a14="http://schemas.microsoft.com/office/drawing/2010/main"/>
+              </a:ext>
+            </a:extLst>
+          </a:blip>
+          <a:srcRect/>
+          <a:stretch>
+            <a:fillRect/>
+          </a:stretch>
+        </p:blipFill>
+        <p:spPr>
+          <a:xfrm>
+            <a:off x="10472164" y="5392142"/>
+            <a:ext cx="514057" cy="558527"/>
+          </a:xfrm>
+          <a:prstGeom prst="rect">
+            <a:avLst/>
+          </a:prstGeom>
+          <a:ln w="12700" cap="flat">
+            <a:noFill/>
+            <a:miter lim="400000"/>
+          </a:ln>
+          <a:effectLst/>
+        </p:spPr>
+      </p:pic>
       <p:sp>
         <p:nvSpPr>
-          <p:cNvPr id="5" name="Title 2"/>
+          <p:cNvPr id="3" name="Title 2"/>
           <p:cNvSpPr>
             <a:spLocks noGrp="1"/>
           </p:cNvSpPr>
@@ -30461,8 +30254,8 @@
         </p:nvSpPr>
         <p:spPr>
           <a:xfrm>
-            <a:off x="1698091" y="457200"/>
-            <a:ext cx="8763336" cy="900113"/>
+            <a:off x="1042857" y="466531"/>
+            <a:ext cx="9686335" cy="900113"/>
           </a:xfrm>
         </p:spPr>
         <p:txBody>
@@ -30470,16 +30263,16 @@
           <a:lstStyle/>
           <a:p>
             <a:r>
-              <a:rPr lang="pl-PL" dirty="0" smtClean="0"/>
-              <a:t>Infusion.js? YES!</a:t>
-            </a:r>
-            <a:endParaRPr lang="en-US" dirty="0"/>
+              <a:rPr lang="en-US" b="1" dirty="0"/>
+              <a:t>Building Your First React App</a:t>
+            </a:r>
+            <a:endParaRPr lang="pl-PL" dirty="0"/>
           </a:p>
         </p:txBody>
       </p:sp>
       <p:sp>
         <p:nvSpPr>
-          <p:cNvPr id="6" name="Content Placeholder 3"/>
+          <p:cNvPr id="12" name="Text Placeholder 4"/>
           <p:cNvSpPr txBox="1">
             <a:spLocks/>
           </p:cNvSpPr>
@@ -30487,8 +30280,8 @@
         </p:nvSpPr>
         <p:spPr>
           <a:xfrm>
-            <a:off x="1698625" y="1844675"/>
-            <a:ext cx="8751980" cy="2996956"/>
+            <a:off x="1007540" y="1525784"/>
+            <a:ext cx="6573966" cy="4089570"/>
           </a:xfrm>
           <a:prstGeom prst="rect">
             <a:avLst/>
@@ -30649,153 +30442,11 @@
             </a:lvl9pPr>
           </a:lstStyle>
           <a:p>
-            <a:r>
-              <a:rPr lang="pl-PL" dirty="0" err="1" smtClean="0">
-                <a:solidFill>
-                  <a:schemeClr val="bg2"/>
-                </a:solidFill>
-              </a:rPr>
-              <a:t>Why</a:t>
-            </a:r>
-            <a:r>
-              <a:rPr lang="pl-PL" dirty="0" smtClean="0">
-                <a:solidFill>
-                  <a:schemeClr val="bg2"/>
-                </a:solidFill>
-              </a:rPr>
-              <a:t>? </a:t>
-            </a:r>
-            <a:r>
-              <a:rPr lang="pl-PL" dirty="0" err="1" smtClean="0">
-                <a:solidFill>
-                  <a:schemeClr val="bg2"/>
-                </a:solidFill>
-              </a:rPr>
-              <a:t>Who</a:t>
-            </a:r>
-            <a:r>
-              <a:rPr lang="pl-PL" dirty="0" smtClean="0">
-                <a:solidFill>
-                  <a:schemeClr val="bg2"/>
-                </a:solidFill>
-              </a:rPr>
-              <a:t>? </a:t>
-            </a:r>
-            <a:r>
-              <a:rPr lang="pl-PL" dirty="0" err="1" smtClean="0">
-                <a:solidFill>
-                  <a:schemeClr val="bg2"/>
-                </a:solidFill>
-              </a:rPr>
-              <a:t>When</a:t>
-            </a:r>
-            <a:r>
-              <a:rPr lang="pl-PL" dirty="0" smtClean="0">
-                <a:solidFill>
-                  <a:schemeClr val="bg2"/>
-                </a:solidFill>
-              </a:rPr>
-              <a:t>? </a:t>
-            </a:r>
-            <a:r>
-              <a:rPr lang="pl-PL" dirty="0" err="1" smtClean="0">
-                <a:solidFill>
-                  <a:schemeClr val="bg2"/>
-                </a:solidFill>
-              </a:rPr>
-              <a:t>What</a:t>
-            </a:r>
-            <a:r>
-              <a:rPr lang="pl-PL" dirty="0" smtClean="0">
-                <a:solidFill>
-                  <a:schemeClr val="bg2"/>
-                </a:solidFill>
-              </a:rPr>
-              <a:t>?</a:t>
-            </a:r>
-          </a:p>
-          <a:p>
-            <a:endParaRPr lang="pl-PL" dirty="0" smtClean="0">
-              <a:solidFill>
-                <a:schemeClr val="bg2"/>
-              </a:solidFill>
-            </a:endParaRPr>
-          </a:p>
-          <a:p>
-            <a:r>
-              <a:rPr lang="pl-PL" dirty="0" err="1" smtClean="0">
-                <a:solidFill>
-                  <a:schemeClr val="bg2"/>
-                </a:solidFill>
-              </a:rPr>
-              <a:t>Confluence</a:t>
-            </a:r>
-            <a:r>
-              <a:rPr lang="pl-PL" dirty="0">
-                <a:solidFill>
-                  <a:schemeClr val="bg2"/>
-                </a:solidFill>
-              </a:rPr>
-              <a:t>: </a:t>
-            </a:r>
-            <a:r>
-              <a:rPr lang="pl-PL" dirty="0" smtClean="0">
-                <a:solidFill>
-                  <a:schemeClr val="bg2"/>
-                </a:solidFill>
-                <a:hlinkClick r:id="rId3"/>
-              </a:rPr>
-              <a:t>link</a:t>
-            </a:r>
-            <a:endParaRPr lang="pl-PL" dirty="0">
-              <a:solidFill>
-                <a:schemeClr val="bg2"/>
-              </a:solidFill>
-            </a:endParaRPr>
-          </a:p>
-          <a:p>
-            <a:r>
-              <a:rPr lang="pl-PL" dirty="0" err="1" smtClean="0">
-                <a:solidFill>
-                  <a:schemeClr val="bg2"/>
-                </a:solidFill>
-              </a:rPr>
-              <a:t>Slack</a:t>
-            </a:r>
-            <a:r>
-              <a:rPr lang="pl-PL" dirty="0" smtClean="0">
-                <a:solidFill>
-                  <a:schemeClr val="bg2"/>
-                </a:solidFill>
-              </a:rPr>
-              <a:t> #</a:t>
-            </a:r>
-            <a:r>
-              <a:rPr lang="pl-PL" dirty="0" err="1" smtClean="0">
-                <a:solidFill>
-                  <a:schemeClr val="bg2"/>
-                </a:solidFill>
-              </a:rPr>
-              <a:t>infusionjs</a:t>
-            </a:r>
-            <a:r>
-              <a:rPr lang="pl-PL" dirty="0" smtClean="0">
-                <a:solidFill>
-                  <a:schemeClr val="bg2"/>
-                </a:solidFill>
-              </a:rPr>
-              <a:t> </a:t>
-            </a:r>
-            <a:r>
-              <a:rPr lang="pl-PL" dirty="0" smtClean="0">
-                <a:solidFill>
-                  <a:schemeClr val="bg2"/>
-                </a:solidFill>
-                <a:hlinkClick r:id="rId4"/>
-              </a:rPr>
-              <a:t>link</a:t>
-            </a:r>
-            <a:endParaRPr lang="pl-PL" dirty="0" smtClean="0">
+            <a:pPr marL="457200" indent="-457200">
+              <a:buFont typeface="Arial" panose="020B0604020202020204" pitchFamily="34" charset="0"/>
+              <a:buChar char="•"/>
+            </a:pPr>
+            <a:endParaRPr lang="en-US" sz="2700" dirty="0">
               <a:solidFill>
                 <a:schemeClr val="bg2"/>
               </a:solidFill>
@@ -30806,20 +30457,13 @@
     </p:spTree>
     <p:extLst>
       <p:ext uri="{BB962C8B-B14F-4D97-AF65-F5344CB8AC3E}">
-        <p14:creationId xmlns:p14="http://schemas.microsoft.com/office/powerpoint/2010/main" val="2090757584"/>
+        <p14:creationId xmlns:p14="http://schemas.microsoft.com/office/powerpoint/2010/main" val="3097668578"/>
       </p:ext>
     </p:extLst>
   </p:cSld>
   <p:clrMapOvr>
     <a:masterClrMapping/>
   </p:clrMapOvr>
-  <p:timing>
-    <p:tnLst>
-      <p:par>
-        <p:cTn id="1" dur="indefinite" restart="never" nodeType="tmRoot"/>
-      </p:par>
-    </p:tnLst>
-  </p:timing>
 </p:sld>
 </file>
 
@@ -30995,9 +30639,419 @@
           <a:effectLst/>
         </p:spPr>
       </p:pic>
+      <p:sp>
+        <p:nvSpPr>
+          <p:cNvPr id="3" name="Title 2"/>
+          <p:cNvSpPr>
+            <a:spLocks noGrp="1"/>
+          </p:cNvSpPr>
+          <p:nvPr>
+            <p:ph type="title"/>
+          </p:nvPr>
+        </p:nvSpPr>
+        <p:spPr>
+          <a:xfrm>
+            <a:off x="785829" y="457200"/>
+            <a:ext cx="9686335" cy="900113"/>
+          </a:xfrm>
+        </p:spPr>
+        <p:txBody>
+          <a:bodyPr/>
+          <a:lstStyle/>
+          <a:p>
+            <a:r>
+              <a:rPr lang="pl-PL" b="1" dirty="0" err="1"/>
+              <a:t>React</a:t>
+            </a:r>
+            <a:r>
+              <a:rPr lang="pl-PL" b="1" dirty="0"/>
+              <a:t> Development </a:t>
+            </a:r>
+            <a:r>
+              <a:rPr lang="pl-PL" b="1" dirty="0" err="1"/>
+              <a:t>Workflow</a:t>
+            </a:r>
+            <a:endParaRPr lang="pl-PL" b="1" dirty="0"/>
+          </a:p>
+        </p:txBody>
+      </p:sp>
+      <p:sp>
+        <p:nvSpPr>
+          <p:cNvPr id="12" name="Text Placeholder 4"/>
+          <p:cNvSpPr txBox="1">
+            <a:spLocks/>
+          </p:cNvSpPr>
+          <p:nvPr/>
+        </p:nvSpPr>
+        <p:spPr>
+          <a:xfrm>
+            <a:off x="1007540" y="1525784"/>
+            <a:ext cx="6573966" cy="4089570"/>
+          </a:xfrm>
+          <a:prstGeom prst="rect">
+            <a:avLst/>
+          </a:prstGeom>
+        </p:spPr>
+        <p:txBody>
+          <a:bodyPr/>
+          <a:lstStyle>
+            <a:lvl1pPr marL="0" indent="0" algn="l" defTabSz="914400" rtl="0" eaLnBrk="1" latinLnBrk="0" hangingPunct="1">
+              <a:lnSpc>
+                <a:spcPct val="100000"/>
+              </a:lnSpc>
+              <a:spcBef>
+                <a:spcPts val="1200"/>
+              </a:spcBef>
+              <a:buFont typeface="Arial" pitchFamily="34" charset="0"/>
+              <a:buNone/>
+              <a:defRPr sz="3600" kern="1200">
+                <a:solidFill>
+                  <a:schemeClr val="bg1"/>
+                </a:solidFill>
+                <a:latin typeface="+mn-lt"/>
+                <a:ea typeface="+mn-ea"/>
+                <a:cs typeface="+mn-cs"/>
+              </a:defRPr>
+            </a:lvl1pPr>
+            <a:lvl2pPr marL="0" indent="0" algn="l" defTabSz="914400" rtl="0" eaLnBrk="1" latinLnBrk="0" hangingPunct="1">
+              <a:lnSpc>
+                <a:spcPct val="100000"/>
+              </a:lnSpc>
+              <a:spcBef>
+                <a:spcPts val="1000"/>
+              </a:spcBef>
+              <a:buFont typeface="Arial" pitchFamily="34" charset="0"/>
+              <a:buNone/>
+              <a:defRPr sz="2700" kern="1200">
+                <a:solidFill>
+                  <a:schemeClr val="bg1"/>
+                </a:solidFill>
+                <a:latin typeface="+mn-lt"/>
+                <a:ea typeface="+mn-ea"/>
+                <a:cs typeface="+mn-cs"/>
+              </a:defRPr>
+            </a:lvl2pPr>
+            <a:lvl3pPr marL="457200" indent="-228600" algn="l" defTabSz="914400" rtl="0" eaLnBrk="1" latinLnBrk="0" hangingPunct="1">
+              <a:lnSpc>
+                <a:spcPct val="100000"/>
+              </a:lnSpc>
+              <a:spcBef>
+                <a:spcPts val="500"/>
+              </a:spcBef>
+              <a:buFont typeface="Arial" pitchFamily="34" charset="0"/>
+              <a:buChar char="•"/>
+              <a:defRPr sz="2700" kern="1200">
+                <a:solidFill>
+                  <a:schemeClr val="tx2"/>
+                </a:solidFill>
+                <a:latin typeface="+mn-lt"/>
+                <a:ea typeface="+mn-ea"/>
+                <a:cs typeface="+mn-cs"/>
+              </a:defRPr>
+            </a:lvl3pPr>
+            <a:lvl4pPr marL="685800" indent="-228600" algn="l" defTabSz="914400" rtl="0" eaLnBrk="1" latinLnBrk="0" hangingPunct="1">
+              <a:lnSpc>
+                <a:spcPct val="100000"/>
+              </a:lnSpc>
+              <a:spcBef>
+                <a:spcPts val="500"/>
+              </a:spcBef>
+              <a:buFont typeface="Arial" pitchFamily="34" charset="0"/>
+              <a:buChar char="•"/>
+              <a:defRPr sz="2000" kern="1200">
+                <a:solidFill>
+                  <a:schemeClr val="tx2"/>
+                </a:solidFill>
+                <a:latin typeface="+mn-lt"/>
+                <a:ea typeface="+mn-ea"/>
+                <a:cs typeface="+mn-cs"/>
+              </a:defRPr>
+            </a:lvl4pPr>
+            <a:lvl5pPr marL="868680" indent="-182880" algn="l" defTabSz="914400" rtl="0" eaLnBrk="1" latinLnBrk="0" hangingPunct="1">
+              <a:lnSpc>
+                <a:spcPct val="105000"/>
+              </a:lnSpc>
+              <a:spcBef>
+                <a:spcPts val="800"/>
+              </a:spcBef>
+              <a:buFont typeface="Arial" pitchFamily="34" charset="0"/>
+              <a:buChar char="•"/>
+              <a:defRPr sz="1600" kern="1200">
+                <a:solidFill>
+                  <a:schemeClr val="tx2"/>
+                </a:solidFill>
+                <a:latin typeface="+mn-lt"/>
+                <a:ea typeface="+mn-ea"/>
+                <a:cs typeface="+mn-cs"/>
+              </a:defRPr>
+            </a:lvl5pPr>
+            <a:lvl6pPr marL="2514600" indent="-228600" algn="l" defTabSz="914400" rtl="0" eaLnBrk="1" latinLnBrk="0" hangingPunct="1">
+              <a:spcBef>
+                <a:spcPct val="20000"/>
+              </a:spcBef>
+              <a:buFont typeface="Arial" pitchFamily="34" charset="0"/>
+              <a:buChar char="•"/>
+              <a:defRPr sz="2000" kern="1200">
+                <a:solidFill>
+                  <a:schemeClr val="tx1"/>
+                </a:solidFill>
+                <a:latin typeface="+mn-lt"/>
+                <a:ea typeface="+mn-ea"/>
+                <a:cs typeface="+mn-cs"/>
+              </a:defRPr>
+            </a:lvl6pPr>
+            <a:lvl7pPr marL="2971800" indent="-228600" algn="l" defTabSz="914400" rtl="0" eaLnBrk="1" latinLnBrk="0" hangingPunct="1">
+              <a:spcBef>
+                <a:spcPct val="20000"/>
+              </a:spcBef>
+              <a:buFont typeface="Arial" pitchFamily="34" charset="0"/>
+              <a:buChar char="•"/>
+              <a:defRPr sz="2000" kern="1200">
+                <a:solidFill>
+                  <a:schemeClr val="tx1"/>
+                </a:solidFill>
+                <a:latin typeface="+mn-lt"/>
+                <a:ea typeface="+mn-ea"/>
+                <a:cs typeface="+mn-cs"/>
+              </a:defRPr>
+            </a:lvl7pPr>
+            <a:lvl8pPr marL="3429000" indent="-228600" algn="l" defTabSz="914400" rtl="0" eaLnBrk="1" latinLnBrk="0" hangingPunct="1">
+              <a:spcBef>
+                <a:spcPct val="20000"/>
+              </a:spcBef>
+              <a:buFont typeface="Arial" pitchFamily="34" charset="0"/>
+              <a:buChar char="•"/>
+              <a:defRPr sz="2000" kern="1200">
+                <a:solidFill>
+                  <a:schemeClr val="tx1"/>
+                </a:solidFill>
+                <a:latin typeface="+mn-lt"/>
+                <a:ea typeface="+mn-ea"/>
+                <a:cs typeface="+mn-cs"/>
+              </a:defRPr>
+            </a:lvl8pPr>
+            <a:lvl9pPr marL="3886200" indent="-228600" algn="l" defTabSz="914400" rtl="0" eaLnBrk="1" latinLnBrk="0" hangingPunct="1">
+              <a:spcBef>
+                <a:spcPct val="20000"/>
+              </a:spcBef>
+              <a:buFont typeface="Arial" pitchFamily="34" charset="0"/>
+              <a:buChar char="•"/>
+              <a:defRPr sz="2000" kern="1200">
+                <a:solidFill>
+                  <a:schemeClr val="tx1"/>
+                </a:solidFill>
+                <a:latin typeface="+mn-lt"/>
+                <a:ea typeface="+mn-ea"/>
+                <a:cs typeface="+mn-cs"/>
+              </a:defRPr>
+            </a:lvl9pPr>
+          </a:lstStyle>
+          <a:p>
+            <a:pPr marL="457200" indent="-457200">
+              <a:buFont typeface="Arial" panose="020B0604020202020204" pitchFamily="34" charset="0"/>
+              <a:buChar char="•"/>
+            </a:pPr>
+            <a:endParaRPr lang="en-US" sz="2700" dirty="0">
+              <a:solidFill>
+                <a:schemeClr val="bg2"/>
+              </a:solidFill>
+            </a:endParaRPr>
+          </a:p>
+        </p:txBody>
+      </p:sp>
       <p:pic>
         <p:nvPicPr>
-          <p:cNvPr id="8" name="Infusion_white.pdf"/>
+          <p:cNvPr id="6146" name="Picture 2" descr="9781484212615_Fig01-01.jpg"/>
+          <p:cNvPicPr>
+            <a:picLocks noChangeAspect="1" noChangeArrowheads="1"/>
+          </p:cNvPicPr>
+          <p:nvPr/>
+        </p:nvPicPr>
+        <p:blipFill>
+          <a:blip r:embed="rId3">
+            <a:extLst>
+              <a:ext uri="{28A0092B-C50C-407E-A947-70E740481C1C}">
+                <a14:useLocalDpi xmlns:a14="http://schemas.microsoft.com/office/drawing/2010/main" val="0"/>
+              </a:ext>
+            </a:extLst>
+          </a:blip>
+          <a:srcRect/>
+          <a:stretch>
+            <a:fillRect/>
+          </a:stretch>
+        </p:blipFill>
+        <p:spPr bwMode="auto">
+          <a:xfrm>
+            <a:off x="1635189" y="4379044"/>
+            <a:ext cx="1905000" cy="1571625"/>
+          </a:xfrm>
+          <a:prstGeom prst="rect">
+            <a:avLst/>
+          </a:prstGeom>
+          <a:noFill/>
+          <a:extLst>
+            <a:ext uri="{909E8E84-426E-40DD-AFC4-6F175D3DCCD1}">
+              <a14:hiddenFill xmlns:a14="http://schemas.microsoft.com/office/drawing/2010/main">
+                <a:solidFill>
+                  <a:srgbClr val="FFFFFF"/>
+                </a:solidFill>
+              </a14:hiddenFill>
+            </a:ext>
+          </a:extLst>
+        </p:spPr>
+      </p:pic>
+    </p:spTree>
+    <p:extLst>
+      <p:ext uri="{BB962C8B-B14F-4D97-AF65-F5344CB8AC3E}">
+        <p14:creationId xmlns:p14="http://schemas.microsoft.com/office/powerpoint/2010/main" val="266670165"/>
+      </p:ext>
+    </p:extLst>
+  </p:cSld>
+  <p:clrMapOvr>
+    <a:masterClrMapping/>
+  </p:clrMapOvr>
+</p:sld>
+</file>
+
+<file path=ppt/slides/slide3.xml><?xml version="1.0" encoding="utf-8"?>
+<p:sld xmlns:a="http://schemas.openxmlformats.org/drawingml/2006/main" xmlns:r="http://schemas.openxmlformats.org/officeDocument/2006/relationships" xmlns:p="http://schemas.openxmlformats.org/presentationml/2006/main">
+  <p:cSld>
+    <p:spTree>
+      <p:nvGrpSpPr>
+        <p:cNvPr id="1" name=""/>
+        <p:cNvGrpSpPr/>
+        <p:nvPr/>
+      </p:nvGrpSpPr>
+      <p:grpSpPr>
+        <a:xfrm>
+          <a:off x="0" y="0"/>
+          <a:ext cx="0" cy="0"/>
+          <a:chOff x="0" y="0"/>
+          <a:chExt cx="0" cy="0"/>
+        </a:xfrm>
+      </p:grpSpPr>
+      <p:sp>
+        <p:nvSpPr>
+          <p:cNvPr id="6" name="Slide Number Placeholder 1"/>
+          <p:cNvSpPr txBox="1">
+            <a:spLocks/>
+          </p:cNvSpPr>
+          <p:nvPr/>
+        </p:nvSpPr>
+        <p:spPr>
+          <a:xfrm>
+            <a:off x="11375658" y="6552420"/>
+            <a:ext cx="645160" cy="183515"/>
+          </a:xfrm>
+          <a:prstGeom prst="rect">
+            <a:avLst/>
+          </a:prstGeom>
+        </p:spPr>
+        <p:txBody>
+          <a:bodyPr/>
+          <a:lstStyle>
+            <a:defPPr>
+              <a:defRPr lang="en-US"/>
+            </a:defPPr>
+            <a:lvl1pPr marL="0" algn="l" defTabSz="914400" rtl="0" eaLnBrk="1" latinLnBrk="0" hangingPunct="1">
+              <a:defRPr sz="1800" kern="1200">
+                <a:solidFill>
+                  <a:schemeClr val="tx1"/>
+                </a:solidFill>
+                <a:latin typeface="+mn-lt"/>
+                <a:ea typeface="+mn-ea"/>
+                <a:cs typeface="+mn-cs"/>
+              </a:defRPr>
+            </a:lvl1pPr>
+            <a:lvl2pPr marL="457200" algn="l" defTabSz="914400" rtl="0" eaLnBrk="1" latinLnBrk="0" hangingPunct="1">
+              <a:defRPr sz="1800" kern="1200">
+                <a:solidFill>
+                  <a:schemeClr val="tx1"/>
+                </a:solidFill>
+                <a:latin typeface="+mn-lt"/>
+                <a:ea typeface="+mn-ea"/>
+                <a:cs typeface="+mn-cs"/>
+              </a:defRPr>
+            </a:lvl2pPr>
+            <a:lvl3pPr marL="914400" algn="l" defTabSz="914400" rtl="0" eaLnBrk="1" latinLnBrk="0" hangingPunct="1">
+              <a:defRPr sz="1800" kern="1200">
+                <a:solidFill>
+                  <a:schemeClr val="tx1"/>
+                </a:solidFill>
+                <a:latin typeface="+mn-lt"/>
+                <a:ea typeface="+mn-ea"/>
+                <a:cs typeface="+mn-cs"/>
+              </a:defRPr>
+            </a:lvl3pPr>
+            <a:lvl4pPr marL="1371600" algn="l" defTabSz="914400" rtl="0" eaLnBrk="1" latinLnBrk="0" hangingPunct="1">
+              <a:defRPr sz="1800" kern="1200">
+                <a:solidFill>
+                  <a:schemeClr val="tx1"/>
+                </a:solidFill>
+                <a:latin typeface="+mn-lt"/>
+                <a:ea typeface="+mn-ea"/>
+                <a:cs typeface="+mn-cs"/>
+              </a:defRPr>
+            </a:lvl4pPr>
+            <a:lvl5pPr marL="1828800" algn="l" defTabSz="914400" rtl="0" eaLnBrk="1" latinLnBrk="0" hangingPunct="1">
+              <a:defRPr sz="1800" kern="1200">
+                <a:solidFill>
+                  <a:schemeClr val="tx1"/>
+                </a:solidFill>
+                <a:latin typeface="+mn-lt"/>
+                <a:ea typeface="+mn-ea"/>
+                <a:cs typeface="+mn-cs"/>
+              </a:defRPr>
+            </a:lvl5pPr>
+            <a:lvl6pPr marL="2286000" algn="l" defTabSz="914400" rtl="0" eaLnBrk="1" latinLnBrk="0" hangingPunct="1">
+              <a:defRPr sz="1800" kern="1200">
+                <a:solidFill>
+                  <a:schemeClr val="tx1"/>
+                </a:solidFill>
+                <a:latin typeface="+mn-lt"/>
+                <a:ea typeface="+mn-ea"/>
+                <a:cs typeface="+mn-cs"/>
+              </a:defRPr>
+            </a:lvl6pPr>
+            <a:lvl7pPr marL="2743200" algn="l" defTabSz="914400" rtl="0" eaLnBrk="1" latinLnBrk="0" hangingPunct="1">
+              <a:defRPr sz="1800" kern="1200">
+                <a:solidFill>
+                  <a:schemeClr val="tx1"/>
+                </a:solidFill>
+                <a:latin typeface="+mn-lt"/>
+                <a:ea typeface="+mn-ea"/>
+                <a:cs typeface="+mn-cs"/>
+              </a:defRPr>
+            </a:lvl7pPr>
+            <a:lvl8pPr marL="3200400" algn="l" defTabSz="914400" rtl="0" eaLnBrk="1" latinLnBrk="0" hangingPunct="1">
+              <a:defRPr sz="1800" kern="1200">
+                <a:solidFill>
+                  <a:schemeClr val="tx1"/>
+                </a:solidFill>
+                <a:latin typeface="+mn-lt"/>
+                <a:ea typeface="+mn-ea"/>
+                <a:cs typeface="+mn-cs"/>
+              </a:defRPr>
+            </a:lvl8pPr>
+            <a:lvl9pPr marL="3657600" algn="l" defTabSz="914400" rtl="0" eaLnBrk="1" latinLnBrk="0" hangingPunct="1">
+              <a:defRPr sz="1800" kern="1200">
+                <a:solidFill>
+                  <a:schemeClr val="tx1"/>
+                </a:solidFill>
+                <a:latin typeface="+mn-lt"/>
+                <a:ea typeface="+mn-ea"/>
+                <a:cs typeface="+mn-cs"/>
+              </a:defRPr>
+            </a:lvl9pPr>
+          </a:lstStyle>
+          <a:p>
+            <a:endParaRPr lang="en-US" dirty="0"/>
+          </a:p>
+        </p:txBody>
+      </p:sp>
+      <p:pic>
+        <p:nvPicPr>
+          <p:cNvPr id="7" name="Infusion_white.pdf"/>
           <p:cNvPicPr>
             <a:picLocks noChangeAspect="1"/>
           </p:cNvPicPr>
@@ -31018,8 +31072,8 @@
         </p:blipFill>
         <p:spPr>
           <a:xfrm>
-            <a:off x="10289808" y="3088759"/>
-            <a:ext cx="1085850" cy="1179784"/>
+            <a:off x="10472164" y="5392142"/>
+            <a:ext cx="514057" cy="558527"/>
           </a:xfrm>
           <a:prstGeom prst="rect">
             <a:avLst/>
@@ -31031,9 +31085,904 @@
           <a:effectLst/>
         </p:spPr>
       </p:pic>
+      <p:sp>
+        <p:nvSpPr>
+          <p:cNvPr id="3" name="Title 2"/>
+          <p:cNvSpPr>
+            <a:spLocks noGrp="1"/>
+          </p:cNvSpPr>
+          <p:nvPr>
+            <p:ph type="title"/>
+          </p:nvPr>
+        </p:nvSpPr>
+        <p:spPr>
+          <a:xfrm>
+            <a:off x="849086" y="457200"/>
+            <a:ext cx="9565037" cy="900113"/>
+          </a:xfrm>
+        </p:spPr>
+        <p:txBody>
+          <a:bodyPr/>
+          <a:lstStyle/>
+          <a:p>
+            <a:r>
+              <a:rPr lang="pl-PL" b="1" dirty="0" err="1"/>
+              <a:t>Creating</a:t>
+            </a:r>
+            <a:r>
+              <a:rPr lang="pl-PL" b="1" dirty="0"/>
+              <a:t> </a:t>
+            </a:r>
+            <a:r>
+              <a:rPr lang="pl-PL" b="1" dirty="0" err="1"/>
+              <a:t>Your</a:t>
+            </a:r>
+            <a:r>
+              <a:rPr lang="pl-PL" b="1" dirty="0"/>
+              <a:t> First Component</a:t>
+            </a:r>
+            <a:endParaRPr lang="pl-PL" b="1" dirty="0"/>
+          </a:p>
+        </p:txBody>
+      </p:sp>
+      <p:sp>
+        <p:nvSpPr>
+          <p:cNvPr id="12" name="Text Placeholder 4"/>
+          <p:cNvSpPr txBox="1">
+            <a:spLocks/>
+          </p:cNvSpPr>
+          <p:nvPr/>
+        </p:nvSpPr>
+        <p:spPr>
+          <a:xfrm>
+            <a:off x="1007540" y="1525784"/>
+            <a:ext cx="6573966" cy="4089570"/>
+          </a:xfrm>
+          <a:prstGeom prst="rect">
+            <a:avLst/>
+          </a:prstGeom>
+        </p:spPr>
+        <p:txBody>
+          <a:bodyPr/>
+          <a:lstStyle>
+            <a:lvl1pPr marL="0" indent="0" algn="l" defTabSz="914400" rtl="0" eaLnBrk="1" latinLnBrk="0" hangingPunct="1">
+              <a:lnSpc>
+                <a:spcPct val="100000"/>
+              </a:lnSpc>
+              <a:spcBef>
+                <a:spcPts val="1200"/>
+              </a:spcBef>
+              <a:buFont typeface="Arial" pitchFamily="34" charset="0"/>
+              <a:buNone/>
+              <a:defRPr sz="3600" kern="1200">
+                <a:solidFill>
+                  <a:schemeClr val="bg1"/>
+                </a:solidFill>
+                <a:latin typeface="+mn-lt"/>
+                <a:ea typeface="+mn-ea"/>
+                <a:cs typeface="+mn-cs"/>
+              </a:defRPr>
+            </a:lvl1pPr>
+            <a:lvl2pPr marL="0" indent="0" algn="l" defTabSz="914400" rtl="0" eaLnBrk="1" latinLnBrk="0" hangingPunct="1">
+              <a:lnSpc>
+                <a:spcPct val="100000"/>
+              </a:lnSpc>
+              <a:spcBef>
+                <a:spcPts val="1000"/>
+              </a:spcBef>
+              <a:buFont typeface="Arial" pitchFamily="34" charset="0"/>
+              <a:buNone/>
+              <a:defRPr sz="2700" kern="1200">
+                <a:solidFill>
+                  <a:schemeClr val="bg1"/>
+                </a:solidFill>
+                <a:latin typeface="+mn-lt"/>
+                <a:ea typeface="+mn-ea"/>
+                <a:cs typeface="+mn-cs"/>
+              </a:defRPr>
+            </a:lvl2pPr>
+            <a:lvl3pPr marL="457200" indent="-228600" algn="l" defTabSz="914400" rtl="0" eaLnBrk="1" latinLnBrk="0" hangingPunct="1">
+              <a:lnSpc>
+                <a:spcPct val="100000"/>
+              </a:lnSpc>
+              <a:spcBef>
+                <a:spcPts val="500"/>
+              </a:spcBef>
+              <a:buFont typeface="Arial" pitchFamily="34" charset="0"/>
+              <a:buChar char="•"/>
+              <a:defRPr sz="2700" kern="1200">
+                <a:solidFill>
+                  <a:schemeClr val="tx2"/>
+                </a:solidFill>
+                <a:latin typeface="+mn-lt"/>
+                <a:ea typeface="+mn-ea"/>
+                <a:cs typeface="+mn-cs"/>
+              </a:defRPr>
+            </a:lvl3pPr>
+            <a:lvl4pPr marL="685800" indent="-228600" algn="l" defTabSz="914400" rtl="0" eaLnBrk="1" latinLnBrk="0" hangingPunct="1">
+              <a:lnSpc>
+                <a:spcPct val="100000"/>
+              </a:lnSpc>
+              <a:spcBef>
+                <a:spcPts val="500"/>
+              </a:spcBef>
+              <a:buFont typeface="Arial" pitchFamily="34" charset="0"/>
+              <a:buChar char="•"/>
+              <a:defRPr sz="2000" kern="1200">
+                <a:solidFill>
+                  <a:schemeClr val="tx2"/>
+                </a:solidFill>
+                <a:latin typeface="+mn-lt"/>
+                <a:ea typeface="+mn-ea"/>
+                <a:cs typeface="+mn-cs"/>
+              </a:defRPr>
+            </a:lvl4pPr>
+            <a:lvl5pPr marL="868680" indent="-182880" algn="l" defTabSz="914400" rtl="0" eaLnBrk="1" latinLnBrk="0" hangingPunct="1">
+              <a:lnSpc>
+                <a:spcPct val="105000"/>
+              </a:lnSpc>
+              <a:spcBef>
+                <a:spcPts val="800"/>
+              </a:spcBef>
+              <a:buFont typeface="Arial" pitchFamily="34" charset="0"/>
+              <a:buChar char="•"/>
+              <a:defRPr sz="1600" kern="1200">
+                <a:solidFill>
+                  <a:schemeClr val="tx2"/>
+                </a:solidFill>
+                <a:latin typeface="+mn-lt"/>
+                <a:ea typeface="+mn-ea"/>
+                <a:cs typeface="+mn-cs"/>
+              </a:defRPr>
+            </a:lvl5pPr>
+            <a:lvl6pPr marL="2514600" indent="-228600" algn="l" defTabSz="914400" rtl="0" eaLnBrk="1" latinLnBrk="0" hangingPunct="1">
+              <a:spcBef>
+                <a:spcPct val="20000"/>
+              </a:spcBef>
+              <a:buFont typeface="Arial" pitchFamily="34" charset="0"/>
+              <a:buChar char="•"/>
+              <a:defRPr sz="2000" kern="1200">
+                <a:solidFill>
+                  <a:schemeClr val="tx1"/>
+                </a:solidFill>
+                <a:latin typeface="+mn-lt"/>
+                <a:ea typeface="+mn-ea"/>
+                <a:cs typeface="+mn-cs"/>
+              </a:defRPr>
+            </a:lvl6pPr>
+            <a:lvl7pPr marL="2971800" indent="-228600" algn="l" defTabSz="914400" rtl="0" eaLnBrk="1" latinLnBrk="0" hangingPunct="1">
+              <a:spcBef>
+                <a:spcPct val="20000"/>
+              </a:spcBef>
+              <a:buFont typeface="Arial" pitchFamily="34" charset="0"/>
+              <a:buChar char="•"/>
+              <a:defRPr sz="2000" kern="1200">
+                <a:solidFill>
+                  <a:schemeClr val="tx1"/>
+                </a:solidFill>
+                <a:latin typeface="+mn-lt"/>
+                <a:ea typeface="+mn-ea"/>
+                <a:cs typeface="+mn-cs"/>
+              </a:defRPr>
+            </a:lvl7pPr>
+            <a:lvl8pPr marL="3429000" indent="-228600" algn="l" defTabSz="914400" rtl="0" eaLnBrk="1" latinLnBrk="0" hangingPunct="1">
+              <a:spcBef>
+                <a:spcPct val="20000"/>
+              </a:spcBef>
+              <a:buFont typeface="Arial" pitchFamily="34" charset="0"/>
+              <a:buChar char="•"/>
+              <a:defRPr sz="2000" kern="1200">
+                <a:solidFill>
+                  <a:schemeClr val="tx1"/>
+                </a:solidFill>
+                <a:latin typeface="+mn-lt"/>
+                <a:ea typeface="+mn-ea"/>
+                <a:cs typeface="+mn-cs"/>
+              </a:defRPr>
+            </a:lvl8pPr>
+            <a:lvl9pPr marL="3886200" indent="-228600" algn="l" defTabSz="914400" rtl="0" eaLnBrk="1" latinLnBrk="0" hangingPunct="1">
+              <a:spcBef>
+                <a:spcPct val="20000"/>
+              </a:spcBef>
+              <a:buFont typeface="Arial" pitchFamily="34" charset="0"/>
+              <a:buChar char="•"/>
+              <a:defRPr sz="2000" kern="1200">
+                <a:solidFill>
+                  <a:schemeClr val="tx1"/>
+                </a:solidFill>
+                <a:latin typeface="+mn-lt"/>
+                <a:ea typeface="+mn-ea"/>
+                <a:cs typeface="+mn-cs"/>
+              </a:defRPr>
+            </a:lvl9pPr>
+          </a:lstStyle>
+          <a:p>
+            <a:pPr marL="457200" indent="-457200">
+              <a:buFont typeface="Arial" panose="020B0604020202020204" pitchFamily="34" charset="0"/>
+              <a:buChar char="•"/>
+            </a:pPr>
+            <a:endParaRPr lang="en-US" sz="2700" dirty="0">
+              <a:solidFill>
+                <a:schemeClr val="bg2"/>
+              </a:solidFill>
+            </a:endParaRPr>
+          </a:p>
+        </p:txBody>
+      </p:sp>
+      <p:sp>
+        <p:nvSpPr>
+          <p:cNvPr id="5" name="Rectangle 2"/>
+          <p:cNvSpPr>
+            <a:spLocks noChangeArrowheads="1"/>
+          </p:cNvSpPr>
+          <p:nvPr/>
+        </p:nvSpPr>
+        <p:spPr bwMode="auto">
+          <a:xfrm>
+            <a:off x="1296951" y="2176580"/>
+            <a:ext cx="7988725" cy="3139321"/>
+          </a:xfrm>
+          <a:prstGeom prst="rect">
+            <a:avLst/>
+          </a:prstGeom>
+          <a:solidFill>
+            <a:srgbClr val="FFFFFF"/>
+          </a:solidFill>
+          <a:ln>
+            <a:noFill/>
+          </a:ln>
+          <a:effectLst/>
+          <a:extLst>
+            <a:ext uri="{91240B29-F687-4F45-9708-019B960494DF}">
+              <a14:hiddenLine xmlns:a14="http://schemas.microsoft.com/office/drawing/2010/main" w="9525">
+                <a:solidFill>
+                  <a:schemeClr val="tx1"/>
+                </a:solidFill>
+                <a:miter lim="800000"/>
+                <a:headEnd/>
+                <a:tailEnd/>
+              </a14:hiddenLine>
+            </a:ext>
+            <a:ext uri="{AF507438-7753-43E0-B8FC-AC1667EBCBE1}">
+              <a14:hiddenEffects xmlns:a14="http://schemas.microsoft.com/office/drawing/2010/main">
+                <a:effectLst>
+                  <a:outerShdw dist="35921" dir="2700000" algn="ctr" rotWithShape="0">
+                    <a:schemeClr val="bg2"/>
+                  </a:outerShdw>
+                </a:effectLst>
+              </a14:hiddenEffects>
+            </a:ext>
+          </a:extLst>
+        </p:spPr>
+        <p:txBody>
+          <a:bodyPr vert="horz" wrap="none" lIns="0" tIns="45720" rIns="91440" bIns="45720" numCol="1" anchor="ctr" anchorCtr="0" compatLnSpc="1">
+            <a:prstTxWarp prst="textNoShape">
+              <a:avLst/>
+            </a:prstTxWarp>
+            <a:spAutoFit/>
+          </a:bodyPr>
+          <a:lstStyle/>
+          <a:p>
+            <a:pPr lvl="0" eaLnBrk="0" fontAlgn="base" hangingPunct="0">
+              <a:spcBef>
+                <a:spcPct val="0"/>
+              </a:spcBef>
+              <a:spcAft>
+                <a:spcPct val="0"/>
+              </a:spcAft>
+            </a:pPr>
+            <a:r>
+              <a:rPr lang="pl-PL" altLang="pl-PL" b="1" dirty="0">
+                <a:solidFill>
+                  <a:srgbClr val="000000"/>
+                </a:solidFill>
+                <a:latin typeface="Courier New" panose="02070309020205020404" pitchFamily="49" charset="0"/>
+                <a:cs typeface="Courier New" panose="02070309020205020404" pitchFamily="49" charset="0"/>
+              </a:rPr>
+              <a:t>import</a:t>
+            </a:r>
+            <a:r>
+              <a:rPr lang="pl-PL" altLang="pl-PL" dirty="0">
+                <a:solidFill>
+                  <a:srgbClr val="000000"/>
+                </a:solidFill>
+                <a:latin typeface="Courier New" panose="02070309020205020404" pitchFamily="49" charset="0"/>
+                <a:cs typeface="Courier New" panose="02070309020205020404" pitchFamily="49" charset="0"/>
+              </a:rPr>
+              <a:t> </a:t>
+            </a:r>
+            <a:r>
+              <a:rPr lang="pl-PL" altLang="pl-PL" dirty="0" err="1">
+                <a:solidFill>
+                  <a:srgbClr val="000000"/>
+                </a:solidFill>
+                <a:latin typeface="Courier New" panose="02070309020205020404" pitchFamily="49" charset="0"/>
+                <a:cs typeface="Courier New" panose="02070309020205020404" pitchFamily="49" charset="0"/>
+              </a:rPr>
+              <a:t>React</a:t>
+            </a:r>
+            <a:r>
+              <a:rPr lang="pl-PL" altLang="pl-PL" dirty="0">
+                <a:solidFill>
+                  <a:srgbClr val="000000"/>
+                </a:solidFill>
+                <a:latin typeface="Courier New" panose="02070309020205020404" pitchFamily="49" charset="0"/>
+                <a:cs typeface="Courier New" panose="02070309020205020404" pitchFamily="49" charset="0"/>
+              </a:rPr>
+              <a:t> </a:t>
+            </a:r>
+            <a:r>
+              <a:rPr lang="pl-PL" altLang="pl-PL" b="1" dirty="0">
+                <a:solidFill>
+                  <a:srgbClr val="000000"/>
+                </a:solidFill>
+                <a:latin typeface="Courier New" panose="02070309020205020404" pitchFamily="49" charset="0"/>
+                <a:cs typeface="Courier New" panose="02070309020205020404" pitchFamily="49" charset="0"/>
+              </a:rPr>
+              <a:t>from</a:t>
+            </a:r>
+            <a:r>
+              <a:rPr lang="pl-PL" altLang="pl-PL" dirty="0">
+                <a:solidFill>
+                  <a:srgbClr val="000000"/>
+                </a:solidFill>
+                <a:latin typeface="Courier New" panose="02070309020205020404" pitchFamily="49" charset="0"/>
+                <a:cs typeface="Courier New" panose="02070309020205020404" pitchFamily="49" charset="0"/>
+              </a:rPr>
+              <a:t> '</a:t>
+            </a:r>
+            <a:r>
+              <a:rPr lang="pl-PL" altLang="pl-PL" dirty="0" err="1">
+                <a:solidFill>
+                  <a:srgbClr val="000000"/>
+                </a:solidFill>
+                <a:latin typeface="Courier New" panose="02070309020205020404" pitchFamily="49" charset="0"/>
+                <a:cs typeface="Courier New" panose="02070309020205020404" pitchFamily="49" charset="0"/>
+              </a:rPr>
+              <a:t>react</a:t>
+            </a:r>
+            <a:r>
+              <a:rPr lang="pl-PL" altLang="pl-PL" dirty="0">
+                <a:solidFill>
+                  <a:srgbClr val="000000"/>
+                </a:solidFill>
+                <a:latin typeface="Courier New" panose="02070309020205020404" pitchFamily="49" charset="0"/>
+                <a:cs typeface="Courier New" panose="02070309020205020404" pitchFamily="49" charset="0"/>
+              </a:rPr>
+              <a:t>';</a:t>
+            </a:r>
+            <a:br>
+              <a:rPr lang="pl-PL" altLang="pl-PL" dirty="0">
+                <a:solidFill>
+                  <a:srgbClr val="000000"/>
+                </a:solidFill>
+                <a:latin typeface="Courier New" panose="02070309020205020404" pitchFamily="49" charset="0"/>
+                <a:cs typeface="Courier New" panose="02070309020205020404" pitchFamily="49" charset="0"/>
+              </a:rPr>
+            </a:br>
+            <a:br>
+              <a:rPr lang="pl-PL" altLang="pl-PL" dirty="0">
+                <a:solidFill>
+                  <a:srgbClr val="000000"/>
+                </a:solidFill>
+                <a:latin typeface="Courier New" panose="02070309020205020404" pitchFamily="49" charset="0"/>
+                <a:cs typeface="Courier New" panose="02070309020205020404" pitchFamily="49" charset="0"/>
+              </a:rPr>
+            </a:br>
+            <a:r>
+              <a:rPr lang="pl-PL" altLang="pl-PL" b="1" dirty="0" err="1">
+                <a:solidFill>
+                  <a:srgbClr val="000000"/>
+                </a:solidFill>
+                <a:latin typeface="Courier New" panose="02070309020205020404" pitchFamily="49" charset="0"/>
+                <a:cs typeface="Courier New" panose="02070309020205020404" pitchFamily="49" charset="0"/>
+              </a:rPr>
+              <a:t>class</a:t>
+            </a:r>
+            <a:r>
+              <a:rPr lang="pl-PL" altLang="pl-PL" dirty="0">
+                <a:solidFill>
+                  <a:srgbClr val="000000"/>
+                </a:solidFill>
+                <a:latin typeface="Courier New" panose="02070309020205020404" pitchFamily="49" charset="0"/>
+                <a:cs typeface="Courier New" panose="02070309020205020404" pitchFamily="49" charset="0"/>
+              </a:rPr>
+              <a:t> Hello </a:t>
+            </a:r>
+            <a:r>
+              <a:rPr lang="pl-PL" altLang="pl-PL" b="1" dirty="0" err="1">
+                <a:solidFill>
+                  <a:srgbClr val="000000"/>
+                </a:solidFill>
+                <a:latin typeface="Courier New" panose="02070309020205020404" pitchFamily="49" charset="0"/>
+                <a:cs typeface="Courier New" panose="02070309020205020404" pitchFamily="49" charset="0"/>
+              </a:rPr>
+              <a:t>extends</a:t>
+            </a:r>
+            <a:r>
+              <a:rPr lang="pl-PL" altLang="pl-PL" dirty="0">
+                <a:solidFill>
+                  <a:srgbClr val="000000"/>
+                </a:solidFill>
+                <a:latin typeface="Courier New" panose="02070309020205020404" pitchFamily="49" charset="0"/>
+                <a:cs typeface="Courier New" panose="02070309020205020404" pitchFamily="49" charset="0"/>
+              </a:rPr>
+              <a:t> </a:t>
+            </a:r>
+            <a:r>
+              <a:rPr lang="pl-PL" altLang="pl-PL" dirty="0" err="1">
+                <a:solidFill>
+                  <a:srgbClr val="000000"/>
+                </a:solidFill>
+                <a:latin typeface="Courier New" panose="02070309020205020404" pitchFamily="49" charset="0"/>
+                <a:cs typeface="Courier New" panose="02070309020205020404" pitchFamily="49" charset="0"/>
+              </a:rPr>
+              <a:t>React.Component</a:t>
+            </a:r>
+            <a:r>
+              <a:rPr lang="pl-PL" altLang="pl-PL" dirty="0">
+                <a:solidFill>
+                  <a:srgbClr val="000000"/>
+                </a:solidFill>
+                <a:latin typeface="Courier New" panose="02070309020205020404" pitchFamily="49" charset="0"/>
+                <a:cs typeface="Courier New" panose="02070309020205020404" pitchFamily="49" charset="0"/>
+              </a:rPr>
+              <a:t> {</a:t>
+            </a:r>
+            <a:br>
+              <a:rPr lang="pl-PL" altLang="pl-PL" dirty="0">
+                <a:solidFill>
+                  <a:srgbClr val="000000"/>
+                </a:solidFill>
+                <a:latin typeface="Courier New" panose="02070309020205020404" pitchFamily="49" charset="0"/>
+                <a:cs typeface="Courier New" panose="02070309020205020404" pitchFamily="49" charset="0"/>
+              </a:rPr>
+            </a:br>
+            <a:r>
+              <a:rPr lang="pl-PL" altLang="pl-PL" dirty="0">
+                <a:solidFill>
+                  <a:srgbClr val="000000"/>
+                </a:solidFill>
+                <a:latin typeface="Courier New" panose="02070309020205020404" pitchFamily="49" charset="0"/>
+                <a:cs typeface="Courier New" panose="02070309020205020404" pitchFamily="49" charset="0"/>
+              </a:rPr>
+              <a:t>  </a:t>
+            </a:r>
+            <a:r>
+              <a:rPr lang="pl-PL" altLang="pl-PL" dirty="0" err="1">
+                <a:solidFill>
+                  <a:srgbClr val="000000"/>
+                </a:solidFill>
+                <a:latin typeface="Courier New" panose="02070309020205020404" pitchFamily="49" charset="0"/>
+                <a:cs typeface="Courier New" panose="02070309020205020404" pitchFamily="49" charset="0"/>
+              </a:rPr>
+              <a:t>render</a:t>
+            </a:r>
+            <a:r>
+              <a:rPr lang="pl-PL" altLang="pl-PL" dirty="0">
+                <a:solidFill>
+                  <a:srgbClr val="000000"/>
+                </a:solidFill>
+                <a:latin typeface="Courier New" panose="02070309020205020404" pitchFamily="49" charset="0"/>
+                <a:cs typeface="Courier New" panose="02070309020205020404" pitchFamily="49" charset="0"/>
+              </a:rPr>
+              <a:t>() {</a:t>
+            </a:r>
+            <a:br>
+              <a:rPr lang="pl-PL" altLang="pl-PL" dirty="0">
+                <a:solidFill>
+                  <a:srgbClr val="000000"/>
+                </a:solidFill>
+                <a:latin typeface="Courier New" panose="02070309020205020404" pitchFamily="49" charset="0"/>
+                <a:cs typeface="Courier New" panose="02070309020205020404" pitchFamily="49" charset="0"/>
+              </a:rPr>
+            </a:br>
+            <a:r>
+              <a:rPr lang="pl-PL" altLang="pl-PL" dirty="0">
+                <a:solidFill>
+                  <a:srgbClr val="000000"/>
+                </a:solidFill>
+                <a:latin typeface="Courier New" panose="02070309020205020404" pitchFamily="49" charset="0"/>
+                <a:cs typeface="Courier New" panose="02070309020205020404" pitchFamily="49" charset="0"/>
+              </a:rPr>
+              <a:t>    </a:t>
+            </a:r>
+            <a:r>
+              <a:rPr lang="pl-PL" altLang="pl-PL" b="1" dirty="0">
+                <a:solidFill>
+                  <a:srgbClr val="000000"/>
+                </a:solidFill>
+                <a:latin typeface="Courier New" panose="02070309020205020404" pitchFamily="49" charset="0"/>
+                <a:cs typeface="Courier New" panose="02070309020205020404" pitchFamily="49" charset="0"/>
+              </a:rPr>
+              <a:t>return</a:t>
+            </a:r>
+            <a:r>
+              <a:rPr lang="pl-PL" altLang="pl-PL" dirty="0">
+                <a:solidFill>
+                  <a:srgbClr val="000000"/>
+                </a:solidFill>
+                <a:latin typeface="Courier New" panose="02070309020205020404" pitchFamily="49" charset="0"/>
+                <a:cs typeface="Courier New" panose="02070309020205020404" pitchFamily="49" charset="0"/>
+              </a:rPr>
+              <a:t> (</a:t>
+            </a:r>
+            <a:br>
+              <a:rPr lang="pl-PL" altLang="pl-PL" dirty="0">
+                <a:solidFill>
+                  <a:srgbClr val="000000"/>
+                </a:solidFill>
+                <a:latin typeface="Courier New" panose="02070309020205020404" pitchFamily="49" charset="0"/>
+                <a:cs typeface="Courier New" panose="02070309020205020404" pitchFamily="49" charset="0"/>
+              </a:rPr>
+            </a:br>
+            <a:r>
+              <a:rPr lang="pl-PL" altLang="pl-PL" dirty="0">
+                <a:solidFill>
+                  <a:srgbClr val="000000"/>
+                </a:solidFill>
+                <a:latin typeface="Courier New" panose="02070309020205020404" pitchFamily="49" charset="0"/>
+                <a:cs typeface="Courier New" panose="02070309020205020404" pitchFamily="49" charset="0"/>
+              </a:rPr>
+              <a:t>      &lt;</a:t>
+            </a:r>
+            <a:r>
+              <a:rPr lang="pl-PL" altLang="pl-PL" b="1" dirty="0">
+                <a:solidFill>
+                  <a:srgbClr val="000000"/>
+                </a:solidFill>
+                <a:latin typeface="Courier New" panose="02070309020205020404" pitchFamily="49" charset="0"/>
+                <a:cs typeface="Courier New" panose="02070309020205020404" pitchFamily="49" charset="0"/>
+              </a:rPr>
+              <a:t>h1</a:t>
+            </a:r>
+            <a:r>
+              <a:rPr lang="pl-PL" altLang="pl-PL" dirty="0">
+                <a:solidFill>
+                  <a:srgbClr val="000000"/>
+                </a:solidFill>
+                <a:latin typeface="Courier New" panose="02070309020205020404" pitchFamily="49" charset="0"/>
+                <a:cs typeface="Courier New" panose="02070309020205020404" pitchFamily="49" charset="0"/>
+              </a:rPr>
+              <a:t>&gt;Hello&lt;/</a:t>
+            </a:r>
+            <a:r>
+              <a:rPr lang="pl-PL" altLang="pl-PL" b="1" dirty="0">
+                <a:solidFill>
+                  <a:srgbClr val="000000"/>
+                </a:solidFill>
+                <a:latin typeface="Courier New" panose="02070309020205020404" pitchFamily="49" charset="0"/>
+                <a:cs typeface="Courier New" panose="02070309020205020404" pitchFamily="49" charset="0"/>
+              </a:rPr>
+              <a:t>h1</a:t>
+            </a:r>
+            <a:r>
+              <a:rPr lang="pl-PL" altLang="pl-PL" dirty="0">
+                <a:solidFill>
+                  <a:srgbClr val="000000"/>
+                </a:solidFill>
+                <a:latin typeface="Courier New" panose="02070309020205020404" pitchFamily="49" charset="0"/>
+                <a:cs typeface="Courier New" panose="02070309020205020404" pitchFamily="49" charset="0"/>
+              </a:rPr>
+              <a:t>&gt;</a:t>
+            </a:r>
+            <a:br>
+              <a:rPr lang="pl-PL" altLang="pl-PL" dirty="0">
+                <a:solidFill>
+                  <a:srgbClr val="000000"/>
+                </a:solidFill>
+                <a:latin typeface="Courier New" panose="02070309020205020404" pitchFamily="49" charset="0"/>
+                <a:cs typeface="Courier New" panose="02070309020205020404" pitchFamily="49" charset="0"/>
+              </a:rPr>
+            </a:br>
+            <a:r>
+              <a:rPr lang="pl-PL" altLang="pl-PL" dirty="0">
+                <a:solidFill>
+                  <a:srgbClr val="000000"/>
+                </a:solidFill>
+                <a:latin typeface="Courier New" panose="02070309020205020404" pitchFamily="49" charset="0"/>
+                <a:cs typeface="Courier New" panose="02070309020205020404" pitchFamily="49" charset="0"/>
+              </a:rPr>
+              <a:t>    );</a:t>
+            </a:r>
+            <a:br>
+              <a:rPr lang="pl-PL" altLang="pl-PL" dirty="0">
+                <a:solidFill>
+                  <a:srgbClr val="000000"/>
+                </a:solidFill>
+                <a:latin typeface="Courier New" panose="02070309020205020404" pitchFamily="49" charset="0"/>
+                <a:cs typeface="Courier New" panose="02070309020205020404" pitchFamily="49" charset="0"/>
+              </a:rPr>
+            </a:br>
+            <a:r>
+              <a:rPr lang="pl-PL" altLang="pl-PL" dirty="0">
+                <a:solidFill>
+                  <a:srgbClr val="000000"/>
+                </a:solidFill>
+                <a:latin typeface="Courier New" panose="02070309020205020404" pitchFamily="49" charset="0"/>
+                <a:cs typeface="Courier New" panose="02070309020205020404" pitchFamily="49" charset="0"/>
+              </a:rPr>
+              <a:t>  }</a:t>
+            </a:r>
+            <a:br>
+              <a:rPr lang="pl-PL" altLang="pl-PL" dirty="0">
+                <a:solidFill>
+                  <a:srgbClr val="000000"/>
+                </a:solidFill>
+                <a:latin typeface="Courier New" panose="02070309020205020404" pitchFamily="49" charset="0"/>
+                <a:cs typeface="Courier New" panose="02070309020205020404" pitchFamily="49" charset="0"/>
+              </a:rPr>
+            </a:br>
+            <a:r>
+              <a:rPr lang="pl-PL" altLang="pl-PL" dirty="0">
+                <a:solidFill>
+                  <a:srgbClr val="000000"/>
+                </a:solidFill>
+                <a:latin typeface="Courier New" panose="02070309020205020404" pitchFamily="49" charset="0"/>
+                <a:cs typeface="Courier New" panose="02070309020205020404" pitchFamily="49" charset="0"/>
+              </a:rPr>
+              <a:t>}</a:t>
+            </a:r>
+            <a:br>
+              <a:rPr lang="pl-PL" altLang="pl-PL" dirty="0">
+                <a:solidFill>
+                  <a:srgbClr val="000000"/>
+                </a:solidFill>
+                <a:latin typeface="Courier New" panose="02070309020205020404" pitchFamily="49" charset="0"/>
+                <a:cs typeface="Courier New" panose="02070309020205020404" pitchFamily="49" charset="0"/>
+              </a:rPr>
+            </a:br>
+            <a:br>
+              <a:rPr lang="pl-PL" altLang="pl-PL" dirty="0">
+                <a:solidFill>
+                  <a:srgbClr val="000000"/>
+                </a:solidFill>
+                <a:latin typeface="Courier New" panose="02070309020205020404" pitchFamily="49" charset="0"/>
+                <a:cs typeface="Courier New" panose="02070309020205020404" pitchFamily="49" charset="0"/>
+              </a:rPr>
+            </a:br>
+            <a:r>
+              <a:rPr lang="pl-PL" altLang="pl-PL" dirty="0" err="1">
+                <a:solidFill>
+                  <a:srgbClr val="000000"/>
+                </a:solidFill>
+                <a:latin typeface="Courier New" panose="02070309020205020404" pitchFamily="49" charset="0"/>
+                <a:cs typeface="Courier New" panose="02070309020205020404" pitchFamily="49" charset="0"/>
+              </a:rPr>
+              <a:t>React.render</a:t>
+            </a:r>
+            <a:r>
+              <a:rPr lang="pl-PL" altLang="pl-PL" dirty="0">
+                <a:solidFill>
+                  <a:srgbClr val="000000"/>
+                </a:solidFill>
+                <a:latin typeface="Courier New" panose="02070309020205020404" pitchFamily="49" charset="0"/>
+                <a:cs typeface="Courier New" panose="02070309020205020404" pitchFamily="49" charset="0"/>
+              </a:rPr>
+              <a:t>(&lt;</a:t>
+            </a:r>
+            <a:r>
+              <a:rPr lang="pl-PL" altLang="pl-PL" b="1" dirty="0">
+                <a:solidFill>
+                  <a:srgbClr val="000000"/>
+                </a:solidFill>
+                <a:latin typeface="Courier New" panose="02070309020205020404" pitchFamily="49" charset="0"/>
+                <a:cs typeface="Courier New" panose="02070309020205020404" pitchFamily="49" charset="0"/>
+              </a:rPr>
+              <a:t>Hello</a:t>
+            </a:r>
+            <a:r>
+              <a:rPr lang="pl-PL" altLang="pl-PL" dirty="0">
+                <a:solidFill>
+                  <a:srgbClr val="000000"/>
+                </a:solidFill>
+                <a:latin typeface="Courier New" panose="02070309020205020404" pitchFamily="49" charset="0"/>
+                <a:cs typeface="Courier New" panose="02070309020205020404" pitchFamily="49" charset="0"/>
+              </a:rPr>
+              <a:t> /&gt;, </a:t>
+            </a:r>
+            <a:r>
+              <a:rPr lang="pl-PL" altLang="pl-PL" dirty="0" err="1">
+                <a:solidFill>
+                  <a:srgbClr val="000000"/>
+                </a:solidFill>
+                <a:latin typeface="Courier New" panose="02070309020205020404" pitchFamily="49" charset="0"/>
+                <a:cs typeface="Courier New" panose="02070309020205020404" pitchFamily="49" charset="0"/>
+              </a:rPr>
+              <a:t>document.getElementById</a:t>
+            </a:r>
+            <a:r>
+              <a:rPr lang="pl-PL" altLang="pl-PL" dirty="0">
+                <a:solidFill>
+                  <a:srgbClr val="000000"/>
+                </a:solidFill>
+                <a:latin typeface="Courier New" panose="02070309020205020404" pitchFamily="49" charset="0"/>
+                <a:cs typeface="Courier New" panose="02070309020205020404" pitchFamily="49" charset="0"/>
+              </a:rPr>
+              <a:t>("</a:t>
+            </a:r>
+            <a:r>
+              <a:rPr lang="pl-PL" altLang="pl-PL" dirty="0" err="1">
+                <a:solidFill>
+                  <a:srgbClr val="000000"/>
+                </a:solidFill>
+                <a:latin typeface="Courier New" panose="02070309020205020404" pitchFamily="49" charset="0"/>
+                <a:cs typeface="Courier New" panose="02070309020205020404" pitchFamily="49" charset="0"/>
+              </a:rPr>
+              <a:t>root</a:t>
+            </a:r>
+            <a:r>
+              <a:rPr lang="pl-PL" altLang="pl-PL" dirty="0">
+                <a:solidFill>
+                  <a:srgbClr val="000000"/>
+                </a:solidFill>
+                <a:latin typeface="Courier New" panose="02070309020205020404" pitchFamily="49" charset="0"/>
+                <a:cs typeface="Courier New" panose="02070309020205020404" pitchFamily="49" charset="0"/>
+              </a:rPr>
+              <a:t>"));</a:t>
+            </a:r>
+            <a:r>
+              <a:rPr lang="pl-PL" altLang="pl-PL" sz="1100" dirty="0"/>
+              <a:t> </a:t>
+            </a:r>
+            <a:endParaRPr lang="pl-PL" altLang="pl-PL" sz="3200" dirty="0">
+              <a:latin typeface="Arial" panose="020B0604020202020204" pitchFamily="34" charset="0"/>
+            </a:endParaRPr>
+          </a:p>
+        </p:txBody>
+      </p:sp>
+    </p:spTree>
+    <p:extLst>
+      <p:ext uri="{BB962C8B-B14F-4D97-AF65-F5344CB8AC3E}">
+        <p14:creationId xmlns:p14="http://schemas.microsoft.com/office/powerpoint/2010/main" val="1228770955"/>
+      </p:ext>
+    </p:extLst>
+  </p:cSld>
+  <p:clrMapOvr>
+    <a:masterClrMapping/>
+  </p:clrMapOvr>
+</p:sld>
+</file>
+
+<file path=ppt/slides/slide4.xml><?xml version="1.0" encoding="utf-8"?>
+<p:sld xmlns:a="http://schemas.openxmlformats.org/drawingml/2006/main" xmlns:r="http://schemas.openxmlformats.org/officeDocument/2006/relationships" xmlns:p="http://schemas.openxmlformats.org/presentationml/2006/main">
+  <p:cSld>
+    <p:spTree>
+      <p:nvGrpSpPr>
+        <p:cNvPr id="1" name=""/>
+        <p:cNvGrpSpPr/>
+        <p:nvPr/>
+      </p:nvGrpSpPr>
+      <p:grpSpPr>
+        <a:xfrm>
+          <a:off x="0" y="0"/>
+          <a:ext cx="0" cy="0"/>
+          <a:chOff x="0" y="0"/>
+          <a:chExt cx="0" cy="0"/>
+        </a:xfrm>
+      </p:grpSpPr>
+      <p:sp>
+        <p:nvSpPr>
+          <p:cNvPr id="6" name="Slide Number Placeholder 1"/>
+          <p:cNvSpPr txBox="1">
+            <a:spLocks/>
+          </p:cNvSpPr>
+          <p:nvPr/>
+        </p:nvSpPr>
+        <p:spPr>
+          <a:xfrm>
+            <a:off x="11375658" y="6552420"/>
+            <a:ext cx="645160" cy="183515"/>
+          </a:xfrm>
+          <a:prstGeom prst="rect">
+            <a:avLst/>
+          </a:prstGeom>
+        </p:spPr>
+        <p:txBody>
+          <a:bodyPr/>
+          <a:lstStyle>
+            <a:defPPr>
+              <a:defRPr lang="en-US"/>
+            </a:defPPr>
+            <a:lvl1pPr marL="0" algn="l" defTabSz="914400" rtl="0" eaLnBrk="1" latinLnBrk="0" hangingPunct="1">
+              <a:defRPr sz="1800" kern="1200">
+                <a:solidFill>
+                  <a:schemeClr val="tx1"/>
+                </a:solidFill>
+                <a:latin typeface="+mn-lt"/>
+                <a:ea typeface="+mn-ea"/>
+                <a:cs typeface="+mn-cs"/>
+              </a:defRPr>
+            </a:lvl1pPr>
+            <a:lvl2pPr marL="457200" algn="l" defTabSz="914400" rtl="0" eaLnBrk="1" latinLnBrk="0" hangingPunct="1">
+              <a:defRPr sz="1800" kern="1200">
+                <a:solidFill>
+                  <a:schemeClr val="tx1"/>
+                </a:solidFill>
+                <a:latin typeface="+mn-lt"/>
+                <a:ea typeface="+mn-ea"/>
+                <a:cs typeface="+mn-cs"/>
+              </a:defRPr>
+            </a:lvl2pPr>
+            <a:lvl3pPr marL="914400" algn="l" defTabSz="914400" rtl="0" eaLnBrk="1" latinLnBrk="0" hangingPunct="1">
+              <a:defRPr sz="1800" kern="1200">
+                <a:solidFill>
+                  <a:schemeClr val="tx1"/>
+                </a:solidFill>
+                <a:latin typeface="+mn-lt"/>
+                <a:ea typeface="+mn-ea"/>
+                <a:cs typeface="+mn-cs"/>
+              </a:defRPr>
+            </a:lvl3pPr>
+            <a:lvl4pPr marL="1371600" algn="l" defTabSz="914400" rtl="0" eaLnBrk="1" latinLnBrk="0" hangingPunct="1">
+              <a:defRPr sz="1800" kern="1200">
+                <a:solidFill>
+                  <a:schemeClr val="tx1"/>
+                </a:solidFill>
+                <a:latin typeface="+mn-lt"/>
+                <a:ea typeface="+mn-ea"/>
+                <a:cs typeface="+mn-cs"/>
+              </a:defRPr>
+            </a:lvl4pPr>
+            <a:lvl5pPr marL="1828800" algn="l" defTabSz="914400" rtl="0" eaLnBrk="1" latinLnBrk="0" hangingPunct="1">
+              <a:defRPr sz="1800" kern="1200">
+                <a:solidFill>
+                  <a:schemeClr val="tx1"/>
+                </a:solidFill>
+                <a:latin typeface="+mn-lt"/>
+                <a:ea typeface="+mn-ea"/>
+                <a:cs typeface="+mn-cs"/>
+              </a:defRPr>
+            </a:lvl5pPr>
+            <a:lvl6pPr marL="2286000" algn="l" defTabSz="914400" rtl="0" eaLnBrk="1" latinLnBrk="0" hangingPunct="1">
+              <a:defRPr sz="1800" kern="1200">
+                <a:solidFill>
+                  <a:schemeClr val="tx1"/>
+                </a:solidFill>
+                <a:latin typeface="+mn-lt"/>
+                <a:ea typeface="+mn-ea"/>
+                <a:cs typeface="+mn-cs"/>
+              </a:defRPr>
+            </a:lvl6pPr>
+            <a:lvl7pPr marL="2743200" algn="l" defTabSz="914400" rtl="0" eaLnBrk="1" latinLnBrk="0" hangingPunct="1">
+              <a:defRPr sz="1800" kern="1200">
+                <a:solidFill>
+                  <a:schemeClr val="tx1"/>
+                </a:solidFill>
+                <a:latin typeface="+mn-lt"/>
+                <a:ea typeface="+mn-ea"/>
+                <a:cs typeface="+mn-cs"/>
+              </a:defRPr>
+            </a:lvl7pPr>
+            <a:lvl8pPr marL="3200400" algn="l" defTabSz="914400" rtl="0" eaLnBrk="1" latinLnBrk="0" hangingPunct="1">
+              <a:defRPr sz="1800" kern="1200">
+                <a:solidFill>
+                  <a:schemeClr val="tx1"/>
+                </a:solidFill>
+                <a:latin typeface="+mn-lt"/>
+                <a:ea typeface="+mn-ea"/>
+                <a:cs typeface="+mn-cs"/>
+              </a:defRPr>
+            </a:lvl8pPr>
+            <a:lvl9pPr marL="3657600" algn="l" defTabSz="914400" rtl="0" eaLnBrk="1" latinLnBrk="0" hangingPunct="1">
+              <a:defRPr sz="1800" kern="1200">
+                <a:solidFill>
+                  <a:schemeClr val="tx1"/>
+                </a:solidFill>
+                <a:latin typeface="+mn-lt"/>
+                <a:ea typeface="+mn-ea"/>
+                <a:cs typeface="+mn-cs"/>
+              </a:defRPr>
+            </a:lvl9pPr>
+          </a:lstStyle>
+          <a:p>
+            <a:endParaRPr lang="en-US" dirty="0"/>
+          </a:p>
+        </p:txBody>
+      </p:sp>
       <p:pic>
         <p:nvPicPr>
-          <p:cNvPr id="9" name="Infusion_white.pdf"/>
+          <p:cNvPr id="7" name="Infusion_white.pdf"/>
           <p:cNvPicPr>
             <a:picLocks noChangeAspect="1"/>
           </p:cNvPicPr>
@@ -31054,79 +32003,7 @@
         </p:blipFill>
         <p:spPr>
           <a:xfrm>
-            <a:off x="9257479" y="2213633"/>
-            <a:ext cx="630937" cy="685517"/>
-          </a:xfrm>
-          <a:prstGeom prst="rect">
-            <a:avLst/>
-          </a:prstGeom>
-          <a:ln w="12700" cap="flat">
-            <a:noFill/>
-            <a:miter lim="400000"/>
-          </a:ln>
-          <a:effectLst/>
-        </p:spPr>
-      </p:pic>
-      <p:pic>
-        <p:nvPicPr>
-          <p:cNvPr id="10" name="Infusion_white.pdf"/>
-          <p:cNvPicPr>
-            <a:picLocks noChangeAspect="1"/>
-          </p:cNvPicPr>
-          <p:nvPr/>
-        </p:nvPicPr>
-        <p:blipFill>
-          <a:blip r:embed="rId2" cstate="email">
-            <a:extLst>
-              <a:ext uri="{28A0092B-C50C-407E-A947-70E740481C1C}">
-                <a14:useLocalDpi xmlns:a14="http://schemas.microsoft.com/office/drawing/2010/main"/>
-              </a:ext>
-            </a:extLst>
-          </a:blip>
-          <a:srcRect/>
-          <a:stretch>
-            <a:fillRect/>
-          </a:stretch>
-        </p:blipFill>
-        <p:spPr>
-          <a:xfrm>
-            <a:off x="9162902" y="4262938"/>
-            <a:ext cx="820089" cy="891032"/>
-          </a:xfrm>
-          <a:prstGeom prst="rect">
-            <a:avLst/>
-          </a:prstGeom>
-          <a:ln w="12700" cap="flat">
-            <a:noFill/>
-            <a:miter lim="400000"/>
-          </a:ln>
-          <a:effectLst/>
-        </p:spPr>
-      </p:pic>
-      <p:pic>
-        <p:nvPicPr>
-          <p:cNvPr id="11" name="Infusion_white.pdf"/>
-          <p:cNvPicPr>
-            <a:picLocks noChangeAspect="1"/>
-          </p:cNvPicPr>
-          <p:nvPr/>
-        </p:nvPicPr>
-        <p:blipFill>
-          <a:blip r:embed="rId2" cstate="email">
-            <a:extLst>
-              <a:ext uri="{28A0092B-C50C-407E-A947-70E740481C1C}">
-                <a14:useLocalDpi xmlns:a14="http://schemas.microsoft.com/office/drawing/2010/main"/>
-              </a:ext>
-            </a:extLst>
-          </a:blip>
-          <a:srcRect/>
-          <a:stretch>
-            <a:fillRect/>
-          </a:stretch>
-        </p:blipFill>
-        <p:spPr>
-          <a:xfrm>
-            <a:off x="8447421" y="4967599"/>
+            <a:off x="10472164" y="5392142"/>
             <a:ext cx="514057" cy="558527"/>
           </a:xfrm>
           <a:prstGeom prst="rect">
@@ -31149,16 +32026,29 @@
             <p:ph type="title"/>
           </p:nvPr>
         </p:nvSpPr>
-        <p:spPr/>
+        <p:spPr>
+          <a:xfrm>
+            <a:off x="821094" y="457200"/>
+            <a:ext cx="9593029" cy="900113"/>
+          </a:xfrm>
+        </p:spPr>
         <p:txBody>
           <a:bodyPr/>
           <a:lstStyle/>
           <a:p>
             <a:r>
-              <a:rPr lang="pl-PL" dirty="0" smtClean="0"/>
-              <a:t>React!</a:t>
-            </a:r>
-            <a:endParaRPr lang="pl-PL" dirty="0"/>
+              <a:rPr lang="pl-PL" b="1" dirty="0" err="1"/>
+              <a:t>Dynamic</a:t>
+            </a:r>
+            <a:r>
+              <a:rPr lang="pl-PL" b="1" dirty="0"/>
+              <a:t> </a:t>
+            </a:r>
+            <a:r>
+              <a:rPr lang="pl-PL" b="1" dirty="0" err="1"/>
+              <a:t>Values</a:t>
+            </a:r>
+            <a:endParaRPr lang="pl-PL" b="1" dirty="0"/>
           </a:p>
         </p:txBody>
       </p:sp>
@@ -31338,140 +32228,571 @@
               <a:buFont typeface="Arial" panose="020B0604020202020204" pitchFamily="34" charset="0"/>
               <a:buChar char="•"/>
             </a:pPr>
-            <a:r>
-              <a:rPr lang="pl-PL" sz="2700" dirty="0" smtClean="0">
-                <a:solidFill>
-                  <a:schemeClr val="bg2"/>
-                </a:solidFill>
-              </a:rPr>
-              <a:t>Popular</a:t>
-            </a:r>
-          </a:p>
-          <a:p>
-            <a:pPr marL="457200" indent="-457200">
-              <a:buFont typeface="Arial" panose="020B0604020202020204" pitchFamily="34" charset="0"/>
-              <a:buChar char="•"/>
-            </a:pPr>
-            <a:r>
-              <a:rPr lang="en-US" sz="2700" dirty="0" smtClean="0">
-                <a:solidFill>
-                  <a:schemeClr val="bg2"/>
-                </a:solidFill>
-              </a:rPr>
-              <a:t>Stable</a:t>
-            </a:r>
-            <a:endParaRPr lang="pl-PL" sz="2700" dirty="0" smtClean="0">
-              <a:solidFill>
-                <a:schemeClr val="bg2"/>
-              </a:solidFill>
-            </a:endParaRPr>
-          </a:p>
-          <a:p>
-            <a:pPr marL="457200" indent="-457200">
-              <a:buFont typeface="Arial" panose="020B0604020202020204" pitchFamily="34" charset="0"/>
-              <a:buChar char="•"/>
-            </a:pPr>
-            <a:r>
-              <a:rPr lang="pl-PL" sz="2700" dirty="0" smtClean="0">
-                <a:solidFill>
-                  <a:schemeClr val="bg2"/>
-                </a:solidFill>
-              </a:rPr>
-              <a:t>Works</a:t>
-            </a:r>
-          </a:p>
-          <a:p>
-            <a:pPr marL="457200" indent="-457200">
-              <a:buFont typeface="Arial" panose="020B0604020202020204" pitchFamily="34" charset="0"/>
-              <a:buChar char="•"/>
-            </a:pPr>
-            <a:r>
-              <a:rPr lang="pl-PL" sz="2700" dirty="0" smtClean="0">
-                <a:solidFill>
-                  <a:schemeClr val="bg2"/>
-                </a:solidFill>
-              </a:rPr>
-              <a:t>Component </a:t>
-            </a:r>
-            <a:r>
-              <a:rPr lang="en-US" sz="2700" dirty="0" smtClean="0">
-                <a:solidFill>
-                  <a:schemeClr val="bg2"/>
-                </a:solidFill>
-              </a:rPr>
-              <a:t>philosophy</a:t>
-            </a:r>
-          </a:p>
-          <a:p>
-            <a:pPr marL="457200" indent="-457200">
-              <a:buFont typeface="Arial" panose="020B0604020202020204" pitchFamily="34" charset="0"/>
-              <a:buChar char="•"/>
-            </a:pPr>
-            <a:r>
-              <a:rPr lang="en-US" sz="2700" dirty="0" smtClean="0">
-                <a:solidFill>
-                  <a:schemeClr val="bg2"/>
-                </a:solidFill>
-              </a:rPr>
-              <a:t>Efficient</a:t>
-            </a:r>
-          </a:p>
-          <a:p>
-            <a:pPr marL="457200" indent="-457200">
-              <a:buFont typeface="Arial" panose="020B0604020202020204" pitchFamily="34" charset="0"/>
-              <a:buChar char="•"/>
-            </a:pPr>
-            <a:r>
-              <a:rPr lang="en-US" sz="2700" dirty="0" smtClean="0">
-                <a:solidFill>
-                  <a:schemeClr val="bg2"/>
-                </a:solidFill>
-              </a:rPr>
-              <a:t>Maintained</a:t>
-            </a:r>
-            <a:r>
-              <a:rPr lang="pl-PL" sz="2700" dirty="0" smtClean="0">
-                <a:solidFill>
-                  <a:schemeClr val="bg2"/>
-                </a:solidFill>
-              </a:rPr>
-              <a:t> by Facebook</a:t>
-            </a:r>
-          </a:p>
-          <a:p>
-            <a:pPr marL="457200" indent="-457200">
-              <a:buFont typeface="Arial" panose="020B0604020202020204" pitchFamily="34" charset="0"/>
-              <a:buChar char="•"/>
-            </a:pPr>
-            <a:r>
-              <a:rPr lang="pl-PL" sz="2700" dirty="0" smtClean="0">
-                <a:solidFill>
-                  <a:schemeClr val="bg2"/>
-                </a:solidFill>
-              </a:rPr>
-              <a:t>Bonus: Native</a:t>
-            </a:r>
-          </a:p>
-          <a:p>
-            <a:pPr marL="457200" indent="-457200">
-              <a:buFont typeface="Arial" panose="020B0604020202020204" pitchFamily="34" charset="0"/>
-              <a:buChar char="•"/>
-            </a:pPr>
             <a:endParaRPr lang="en-US" sz="2700" dirty="0">
               <a:solidFill>
                 <a:schemeClr val="bg2"/>
               </a:solidFill>
             </a:endParaRPr>
           </a:p>
-          <a:p>
-            <a:pPr marL="457200" indent="-457200">
-              <a:buFont typeface="Arial" panose="020B0604020202020204" pitchFamily="34" charset="0"/>
-              <a:buChar char="•"/>
+        </p:txBody>
+      </p:sp>
+      <p:sp>
+        <p:nvSpPr>
+          <p:cNvPr id="5" name="Rectangle 2"/>
+          <p:cNvSpPr>
+            <a:spLocks noChangeArrowheads="1"/>
+          </p:cNvSpPr>
+          <p:nvPr/>
+        </p:nvSpPr>
+        <p:spPr bwMode="auto">
+          <a:xfrm>
+            <a:off x="1296951" y="2038081"/>
+            <a:ext cx="7988725" cy="3416320"/>
+          </a:xfrm>
+          <a:prstGeom prst="rect">
+            <a:avLst/>
+          </a:prstGeom>
+          <a:solidFill>
+            <a:srgbClr val="FFFFFF"/>
+          </a:solidFill>
+          <a:ln>
+            <a:noFill/>
+          </a:ln>
+          <a:effectLst/>
+          <a:extLst>
+            <a:ext uri="{91240B29-F687-4F45-9708-019B960494DF}">
+              <a14:hiddenLine xmlns:a14="http://schemas.microsoft.com/office/drawing/2010/main" w="9525">
+                <a:solidFill>
+                  <a:schemeClr val="tx1"/>
+                </a:solidFill>
+                <a:miter lim="800000"/>
+                <a:headEnd/>
+                <a:tailEnd/>
+              </a14:hiddenLine>
+            </a:ext>
+            <a:ext uri="{AF507438-7753-43E0-B8FC-AC1667EBCBE1}">
+              <a14:hiddenEffects xmlns:a14="http://schemas.microsoft.com/office/drawing/2010/main">
+                <a:effectLst>
+                  <a:outerShdw dist="35921" dir="2700000" algn="ctr" rotWithShape="0">
+                    <a:schemeClr val="bg2"/>
+                  </a:outerShdw>
+                </a:effectLst>
+              </a14:hiddenEffects>
+            </a:ext>
+          </a:extLst>
+        </p:spPr>
+        <p:txBody>
+          <a:bodyPr vert="horz" wrap="none" lIns="0" tIns="45720" rIns="91440" bIns="45720" numCol="1" anchor="ctr" anchorCtr="0" compatLnSpc="1">
+            <a:prstTxWarp prst="textNoShape">
+              <a:avLst/>
+            </a:prstTxWarp>
+            <a:spAutoFit/>
+          </a:bodyPr>
+          <a:lstStyle/>
+          <a:p>
+            <a:pPr lvl="0" eaLnBrk="0" fontAlgn="base" hangingPunct="0">
+              <a:spcBef>
+                <a:spcPct val="0"/>
+              </a:spcBef>
+              <a:spcAft>
+                <a:spcPct val="0"/>
+              </a:spcAft>
             </a:pPr>
-            <a:endParaRPr lang="en-US" sz="2700" dirty="0">
-              <a:solidFill>
-                <a:schemeClr val="bg2"/>
-              </a:solidFill>
+            <a:r>
+              <a:rPr lang="pl-PL" altLang="pl-PL" b="1" dirty="0">
+                <a:solidFill>
+                  <a:srgbClr val="000000"/>
+                </a:solidFill>
+                <a:latin typeface="Courier New" panose="02070309020205020404" pitchFamily="49" charset="0"/>
+                <a:cs typeface="Courier New" panose="02070309020205020404" pitchFamily="49" charset="0"/>
+              </a:rPr>
+              <a:t>import</a:t>
+            </a:r>
+            <a:r>
+              <a:rPr lang="pl-PL" altLang="pl-PL" dirty="0">
+                <a:solidFill>
+                  <a:srgbClr val="000000"/>
+                </a:solidFill>
+                <a:latin typeface="Courier New" panose="02070309020205020404" pitchFamily="49" charset="0"/>
+                <a:cs typeface="Courier New" panose="02070309020205020404" pitchFamily="49" charset="0"/>
+              </a:rPr>
+              <a:t> </a:t>
+            </a:r>
+            <a:r>
+              <a:rPr lang="pl-PL" altLang="pl-PL" dirty="0" err="1">
+                <a:solidFill>
+                  <a:srgbClr val="000000"/>
+                </a:solidFill>
+                <a:latin typeface="Courier New" panose="02070309020205020404" pitchFamily="49" charset="0"/>
+                <a:cs typeface="Courier New" panose="02070309020205020404" pitchFamily="49" charset="0"/>
+              </a:rPr>
+              <a:t>React</a:t>
+            </a:r>
+            <a:r>
+              <a:rPr lang="pl-PL" altLang="pl-PL" dirty="0">
+                <a:solidFill>
+                  <a:srgbClr val="000000"/>
+                </a:solidFill>
+                <a:latin typeface="Courier New" panose="02070309020205020404" pitchFamily="49" charset="0"/>
+                <a:cs typeface="Courier New" panose="02070309020205020404" pitchFamily="49" charset="0"/>
+              </a:rPr>
+              <a:t>, { Component } </a:t>
+            </a:r>
+            <a:r>
+              <a:rPr lang="pl-PL" altLang="pl-PL" b="1" dirty="0">
+                <a:solidFill>
+                  <a:srgbClr val="000000"/>
+                </a:solidFill>
+                <a:latin typeface="Courier New" panose="02070309020205020404" pitchFamily="49" charset="0"/>
+                <a:cs typeface="Courier New" panose="02070309020205020404" pitchFamily="49" charset="0"/>
+              </a:rPr>
+              <a:t>from</a:t>
+            </a:r>
+            <a:r>
+              <a:rPr lang="pl-PL" altLang="pl-PL" dirty="0">
+                <a:solidFill>
+                  <a:srgbClr val="000000"/>
+                </a:solidFill>
+                <a:latin typeface="Courier New" panose="02070309020205020404" pitchFamily="49" charset="0"/>
+                <a:cs typeface="Courier New" panose="02070309020205020404" pitchFamily="49" charset="0"/>
+              </a:rPr>
+              <a:t> '</a:t>
+            </a:r>
+            <a:r>
+              <a:rPr lang="pl-PL" altLang="pl-PL" dirty="0" err="1">
+                <a:solidFill>
+                  <a:srgbClr val="000000"/>
+                </a:solidFill>
+                <a:latin typeface="Courier New" panose="02070309020205020404" pitchFamily="49" charset="0"/>
+                <a:cs typeface="Courier New" panose="02070309020205020404" pitchFamily="49" charset="0"/>
+              </a:rPr>
+              <a:t>react</a:t>
+            </a:r>
+            <a:r>
+              <a:rPr lang="pl-PL" altLang="pl-PL" dirty="0">
+                <a:solidFill>
+                  <a:srgbClr val="000000"/>
+                </a:solidFill>
+                <a:latin typeface="Courier New" panose="02070309020205020404" pitchFamily="49" charset="0"/>
+                <a:cs typeface="Courier New" panose="02070309020205020404" pitchFamily="49" charset="0"/>
+              </a:rPr>
+              <a:t>';</a:t>
+            </a:r>
+            <a:br>
+              <a:rPr lang="pl-PL" altLang="pl-PL" dirty="0">
+                <a:solidFill>
+                  <a:srgbClr val="000000"/>
+                </a:solidFill>
+                <a:latin typeface="Courier New" panose="02070309020205020404" pitchFamily="49" charset="0"/>
+                <a:cs typeface="Courier New" panose="02070309020205020404" pitchFamily="49" charset="0"/>
+              </a:rPr>
+            </a:br>
+            <a:br>
+              <a:rPr lang="pl-PL" altLang="pl-PL" dirty="0">
+                <a:solidFill>
+                  <a:srgbClr val="000000"/>
+                </a:solidFill>
+                <a:latin typeface="Courier New" panose="02070309020205020404" pitchFamily="49" charset="0"/>
+                <a:cs typeface="Courier New" panose="02070309020205020404" pitchFamily="49" charset="0"/>
+              </a:rPr>
+            </a:br>
+            <a:r>
+              <a:rPr lang="pl-PL" altLang="pl-PL" b="1" dirty="0" err="1">
+                <a:solidFill>
+                  <a:srgbClr val="000000"/>
+                </a:solidFill>
+                <a:latin typeface="Courier New" panose="02070309020205020404" pitchFamily="49" charset="0"/>
+                <a:cs typeface="Courier New" panose="02070309020205020404" pitchFamily="49" charset="0"/>
+              </a:rPr>
+              <a:t>class</a:t>
+            </a:r>
+            <a:r>
+              <a:rPr lang="pl-PL" altLang="pl-PL" dirty="0">
+                <a:solidFill>
+                  <a:srgbClr val="000000"/>
+                </a:solidFill>
+                <a:latin typeface="Courier New" panose="02070309020205020404" pitchFamily="49" charset="0"/>
+                <a:cs typeface="Courier New" panose="02070309020205020404" pitchFamily="49" charset="0"/>
+              </a:rPr>
+              <a:t> Hello </a:t>
+            </a:r>
+            <a:r>
+              <a:rPr lang="pl-PL" altLang="pl-PL" b="1" dirty="0" err="1">
+                <a:solidFill>
+                  <a:srgbClr val="000000"/>
+                </a:solidFill>
+                <a:latin typeface="Courier New" panose="02070309020205020404" pitchFamily="49" charset="0"/>
+                <a:cs typeface="Courier New" panose="02070309020205020404" pitchFamily="49" charset="0"/>
+              </a:rPr>
+              <a:t>extends</a:t>
+            </a:r>
+            <a:r>
+              <a:rPr lang="pl-PL" altLang="pl-PL" dirty="0">
+                <a:solidFill>
+                  <a:srgbClr val="000000"/>
+                </a:solidFill>
+                <a:latin typeface="Courier New" panose="02070309020205020404" pitchFamily="49" charset="0"/>
+                <a:cs typeface="Courier New" panose="02070309020205020404" pitchFamily="49" charset="0"/>
+              </a:rPr>
+              <a:t> Component {</a:t>
+            </a:r>
+            <a:br>
+              <a:rPr lang="pl-PL" altLang="pl-PL" dirty="0">
+                <a:solidFill>
+                  <a:srgbClr val="000000"/>
+                </a:solidFill>
+                <a:latin typeface="Courier New" panose="02070309020205020404" pitchFamily="49" charset="0"/>
+                <a:cs typeface="Courier New" panose="02070309020205020404" pitchFamily="49" charset="0"/>
+              </a:rPr>
+            </a:br>
+            <a:r>
+              <a:rPr lang="pl-PL" altLang="pl-PL" dirty="0">
+                <a:solidFill>
+                  <a:srgbClr val="000000"/>
+                </a:solidFill>
+                <a:latin typeface="Courier New" panose="02070309020205020404" pitchFamily="49" charset="0"/>
+                <a:cs typeface="Courier New" panose="02070309020205020404" pitchFamily="49" charset="0"/>
+              </a:rPr>
+              <a:t>  </a:t>
+            </a:r>
+            <a:r>
+              <a:rPr lang="pl-PL" altLang="pl-PL" dirty="0" err="1">
+                <a:solidFill>
+                  <a:srgbClr val="000000"/>
+                </a:solidFill>
+                <a:latin typeface="Courier New" panose="02070309020205020404" pitchFamily="49" charset="0"/>
+                <a:cs typeface="Courier New" panose="02070309020205020404" pitchFamily="49" charset="0"/>
+              </a:rPr>
+              <a:t>render</a:t>
+            </a:r>
+            <a:r>
+              <a:rPr lang="pl-PL" altLang="pl-PL" dirty="0">
+                <a:solidFill>
+                  <a:srgbClr val="000000"/>
+                </a:solidFill>
+                <a:latin typeface="Courier New" panose="02070309020205020404" pitchFamily="49" charset="0"/>
+                <a:cs typeface="Courier New" panose="02070309020205020404" pitchFamily="49" charset="0"/>
+              </a:rPr>
+              <a:t>() {</a:t>
+            </a:r>
+            <a:br>
+              <a:rPr lang="pl-PL" altLang="pl-PL" dirty="0">
+                <a:solidFill>
+                  <a:srgbClr val="000000"/>
+                </a:solidFill>
+                <a:latin typeface="Courier New" panose="02070309020205020404" pitchFamily="49" charset="0"/>
+                <a:cs typeface="Courier New" panose="02070309020205020404" pitchFamily="49" charset="0"/>
+              </a:rPr>
+            </a:br>
+            <a:r>
+              <a:rPr lang="pl-PL" altLang="pl-PL" dirty="0">
+                <a:solidFill>
+                  <a:srgbClr val="000000"/>
+                </a:solidFill>
+                <a:latin typeface="Courier New" panose="02070309020205020404" pitchFamily="49" charset="0"/>
+                <a:cs typeface="Courier New" panose="02070309020205020404" pitchFamily="49" charset="0"/>
+              </a:rPr>
+              <a:t>    </a:t>
+            </a:r>
+            <a:r>
+              <a:rPr lang="pl-PL" altLang="pl-PL" b="1" dirty="0" err="1">
+                <a:solidFill>
+                  <a:srgbClr val="000000"/>
+                </a:solidFill>
+                <a:latin typeface="Courier New" panose="02070309020205020404" pitchFamily="49" charset="0"/>
+                <a:cs typeface="Courier New" panose="02070309020205020404" pitchFamily="49" charset="0"/>
+              </a:rPr>
+              <a:t>var</a:t>
+            </a:r>
+            <a:r>
+              <a:rPr lang="pl-PL" altLang="pl-PL" b="1" dirty="0">
+                <a:solidFill>
+                  <a:srgbClr val="000000"/>
+                </a:solidFill>
+                <a:latin typeface="Courier New" panose="02070309020205020404" pitchFamily="49" charset="0"/>
+                <a:cs typeface="Courier New" panose="02070309020205020404" pitchFamily="49" charset="0"/>
+              </a:rPr>
+              <a:t> place = "World";</a:t>
+            </a:r>
+            <a:br>
+              <a:rPr lang="pl-PL" altLang="pl-PL" dirty="0">
+                <a:solidFill>
+                  <a:srgbClr val="000000"/>
+                </a:solidFill>
+                <a:latin typeface="Courier New" panose="02070309020205020404" pitchFamily="49" charset="0"/>
+                <a:cs typeface="Courier New" panose="02070309020205020404" pitchFamily="49" charset="0"/>
+              </a:rPr>
+            </a:br>
+            <a:r>
+              <a:rPr lang="pl-PL" altLang="pl-PL" dirty="0">
+                <a:solidFill>
+                  <a:srgbClr val="000000"/>
+                </a:solidFill>
+                <a:latin typeface="Courier New" panose="02070309020205020404" pitchFamily="49" charset="0"/>
+                <a:cs typeface="Courier New" panose="02070309020205020404" pitchFamily="49" charset="0"/>
+              </a:rPr>
+              <a:t>    </a:t>
+            </a:r>
+            <a:r>
+              <a:rPr lang="pl-PL" altLang="pl-PL" b="1" dirty="0">
+                <a:solidFill>
+                  <a:srgbClr val="000000"/>
+                </a:solidFill>
+                <a:latin typeface="Courier New" panose="02070309020205020404" pitchFamily="49" charset="0"/>
+                <a:cs typeface="Courier New" panose="02070309020205020404" pitchFamily="49" charset="0"/>
+              </a:rPr>
+              <a:t>return</a:t>
+            </a:r>
+            <a:r>
+              <a:rPr lang="pl-PL" altLang="pl-PL" dirty="0">
+                <a:solidFill>
+                  <a:srgbClr val="000000"/>
+                </a:solidFill>
+                <a:latin typeface="Courier New" panose="02070309020205020404" pitchFamily="49" charset="0"/>
+                <a:cs typeface="Courier New" panose="02070309020205020404" pitchFamily="49" charset="0"/>
+              </a:rPr>
+              <a:t> (</a:t>
+            </a:r>
+            <a:br>
+              <a:rPr lang="pl-PL" altLang="pl-PL" dirty="0">
+                <a:solidFill>
+                  <a:srgbClr val="000000"/>
+                </a:solidFill>
+                <a:latin typeface="Courier New" panose="02070309020205020404" pitchFamily="49" charset="0"/>
+                <a:cs typeface="Courier New" panose="02070309020205020404" pitchFamily="49" charset="0"/>
+              </a:rPr>
+            </a:br>
+            <a:r>
+              <a:rPr lang="pl-PL" altLang="pl-PL" dirty="0">
+                <a:solidFill>
+                  <a:srgbClr val="000000"/>
+                </a:solidFill>
+                <a:latin typeface="Courier New" panose="02070309020205020404" pitchFamily="49" charset="0"/>
+                <a:cs typeface="Courier New" panose="02070309020205020404" pitchFamily="49" charset="0"/>
+              </a:rPr>
+              <a:t>      &lt;</a:t>
+            </a:r>
+            <a:r>
+              <a:rPr lang="pl-PL" altLang="pl-PL" b="1" dirty="0">
+                <a:solidFill>
+                  <a:srgbClr val="000000"/>
+                </a:solidFill>
+                <a:latin typeface="Courier New" panose="02070309020205020404" pitchFamily="49" charset="0"/>
+                <a:cs typeface="Courier New" panose="02070309020205020404" pitchFamily="49" charset="0"/>
+              </a:rPr>
+              <a:t>h1</a:t>
+            </a:r>
+            <a:r>
+              <a:rPr lang="pl-PL" altLang="pl-PL" dirty="0">
+                <a:solidFill>
+                  <a:srgbClr val="000000"/>
+                </a:solidFill>
+                <a:latin typeface="Courier New" panose="02070309020205020404" pitchFamily="49" charset="0"/>
+                <a:cs typeface="Courier New" panose="02070309020205020404" pitchFamily="49" charset="0"/>
+              </a:rPr>
+              <a:t>&gt;Hello </a:t>
+            </a:r>
+            <a:r>
+              <a:rPr lang="pl-PL" altLang="pl-PL" b="1" dirty="0">
+                <a:solidFill>
+                  <a:srgbClr val="000000"/>
+                </a:solidFill>
+                <a:latin typeface="Courier New" panose="02070309020205020404" pitchFamily="49" charset="0"/>
+                <a:cs typeface="Courier New" panose="02070309020205020404" pitchFamily="49" charset="0"/>
+              </a:rPr>
+              <a:t>{place}</a:t>
+            </a:r>
+            <a:r>
+              <a:rPr lang="pl-PL" altLang="pl-PL" dirty="0">
+                <a:solidFill>
+                  <a:srgbClr val="000000"/>
+                </a:solidFill>
+                <a:latin typeface="Courier New" panose="02070309020205020404" pitchFamily="49" charset="0"/>
+                <a:cs typeface="Courier New" panose="02070309020205020404" pitchFamily="49" charset="0"/>
+              </a:rPr>
+              <a:t>&lt;/</a:t>
+            </a:r>
+            <a:r>
+              <a:rPr lang="pl-PL" altLang="pl-PL" b="1" dirty="0">
+                <a:solidFill>
+                  <a:srgbClr val="000000"/>
+                </a:solidFill>
+                <a:latin typeface="Courier New" panose="02070309020205020404" pitchFamily="49" charset="0"/>
+                <a:cs typeface="Courier New" panose="02070309020205020404" pitchFamily="49" charset="0"/>
+              </a:rPr>
+              <a:t>h1</a:t>
+            </a:r>
+            <a:r>
+              <a:rPr lang="pl-PL" altLang="pl-PL" dirty="0">
+                <a:solidFill>
+                  <a:srgbClr val="000000"/>
+                </a:solidFill>
+                <a:latin typeface="Courier New" panose="02070309020205020404" pitchFamily="49" charset="0"/>
+                <a:cs typeface="Courier New" panose="02070309020205020404" pitchFamily="49" charset="0"/>
+              </a:rPr>
+              <a:t>&gt;</a:t>
+            </a:r>
+            <a:br>
+              <a:rPr lang="pl-PL" altLang="pl-PL" dirty="0">
+                <a:solidFill>
+                  <a:srgbClr val="000000"/>
+                </a:solidFill>
+                <a:latin typeface="Courier New" panose="02070309020205020404" pitchFamily="49" charset="0"/>
+                <a:cs typeface="Courier New" panose="02070309020205020404" pitchFamily="49" charset="0"/>
+              </a:rPr>
+            </a:br>
+            <a:r>
+              <a:rPr lang="pl-PL" altLang="pl-PL" dirty="0">
+                <a:solidFill>
+                  <a:srgbClr val="000000"/>
+                </a:solidFill>
+                <a:latin typeface="Courier New" panose="02070309020205020404" pitchFamily="49" charset="0"/>
+                <a:cs typeface="Courier New" panose="02070309020205020404" pitchFamily="49" charset="0"/>
+              </a:rPr>
+              <a:t>    );</a:t>
+            </a:r>
+            <a:br>
+              <a:rPr lang="pl-PL" altLang="pl-PL" dirty="0">
+                <a:solidFill>
+                  <a:srgbClr val="000000"/>
+                </a:solidFill>
+                <a:latin typeface="Courier New" panose="02070309020205020404" pitchFamily="49" charset="0"/>
+                <a:cs typeface="Courier New" panose="02070309020205020404" pitchFamily="49" charset="0"/>
+              </a:rPr>
+            </a:br>
+            <a:r>
+              <a:rPr lang="pl-PL" altLang="pl-PL" dirty="0">
+                <a:solidFill>
+                  <a:srgbClr val="000000"/>
+                </a:solidFill>
+                <a:latin typeface="Courier New" panose="02070309020205020404" pitchFamily="49" charset="0"/>
+                <a:cs typeface="Courier New" panose="02070309020205020404" pitchFamily="49" charset="0"/>
+              </a:rPr>
+              <a:t>  }</a:t>
+            </a:r>
+            <a:br>
+              <a:rPr lang="pl-PL" altLang="pl-PL" dirty="0">
+                <a:solidFill>
+                  <a:srgbClr val="000000"/>
+                </a:solidFill>
+                <a:latin typeface="Courier New" panose="02070309020205020404" pitchFamily="49" charset="0"/>
+                <a:cs typeface="Courier New" panose="02070309020205020404" pitchFamily="49" charset="0"/>
+              </a:rPr>
+            </a:br>
+            <a:r>
+              <a:rPr lang="pl-PL" altLang="pl-PL" dirty="0">
+                <a:solidFill>
+                  <a:srgbClr val="000000"/>
+                </a:solidFill>
+                <a:latin typeface="Courier New" panose="02070309020205020404" pitchFamily="49" charset="0"/>
+                <a:cs typeface="Courier New" panose="02070309020205020404" pitchFamily="49" charset="0"/>
+              </a:rPr>
+              <a:t>}</a:t>
+            </a:r>
+            <a:br>
+              <a:rPr lang="pl-PL" altLang="pl-PL" dirty="0">
+                <a:solidFill>
+                  <a:srgbClr val="000000"/>
+                </a:solidFill>
+                <a:latin typeface="Courier New" panose="02070309020205020404" pitchFamily="49" charset="0"/>
+                <a:cs typeface="Courier New" panose="02070309020205020404" pitchFamily="49" charset="0"/>
+              </a:rPr>
+            </a:br>
+            <a:br>
+              <a:rPr lang="pl-PL" altLang="pl-PL" dirty="0">
+                <a:solidFill>
+                  <a:srgbClr val="000000"/>
+                </a:solidFill>
+                <a:latin typeface="Courier New" panose="02070309020205020404" pitchFamily="49" charset="0"/>
+                <a:cs typeface="Courier New" panose="02070309020205020404" pitchFamily="49" charset="0"/>
+              </a:rPr>
+            </a:br>
+            <a:r>
+              <a:rPr lang="pl-PL" altLang="pl-PL" dirty="0" err="1">
+                <a:solidFill>
+                  <a:srgbClr val="000000"/>
+                </a:solidFill>
+                <a:latin typeface="Courier New" panose="02070309020205020404" pitchFamily="49" charset="0"/>
+                <a:cs typeface="Courier New" panose="02070309020205020404" pitchFamily="49" charset="0"/>
+              </a:rPr>
+              <a:t>React.render</a:t>
+            </a:r>
+            <a:r>
+              <a:rPr lang="pl-PL" altLang="pl-PL" dirty="0">
+                <a:solidFill>
+                  <a:srgbClr val="000000"/>
+                </a:solidFill>
+                <a:latin typeface="Courier New" panose="02070309020205020404" pitchFamily="49" charset="0"/>
+                <a:cs typeface="Courier New" panose="02070309020205020404" pitchFamily="49" charset="0"/>
+              </a:rPr>
+              <a:t>(&lt;</a:t>
+            </a:r>
+            <a:r>
+              <a:rPr lang="pl-PL" altLang="pl-PL" b="1" dirty="0">
+                <a:solidFill>
+                  <a:srgbClr val="000000"/>
+                </a:solidFill>
+                <a:latin typeface="Courier New" panose="02070309020205020404" pitchFamily="49" charset="0"/>
+                <a:cs typeface="Courier New" panose="02070309020205020404" pitchFamily="49" charset="0"/>
+              </a:rPr>
+              <a:t>Hello</a:t>
+            </a:r>
+            <a:r>
+              <a:rPr lang="pl-PL" altLang="pl-PL" dirty="0">
+                <a:solidFill>
+                  <a:srgbClr val="000000"/>
+                </a:solidFill>
+                <a:latin typeface="Courier New" panose="02070309020205020404" pitchFamily="49" charset="0"/>
+                <a:cs typeface="Courier New" panose="02070309020205020404" pitchFamily="49" charset="0"/>
+              </a:rPr>
+              <a:t> /&gt;, </a:t>
+            </a:r>
+            <a:r>
+              <a:rPr lang="pl-PL" altLang="pl-PL" dirty="0" err="1">
+                <a:solidFill>
+                  <a:srgbClr val="000000"/>
+                </a:solidFill>
+                <a:latin typeface="Courier New" panose="02070309020205020404" pitchFamily="49" charset="0"/>
+                <a:cs typeface="Courier New" panose="02070309020205020404" pitchFamily="49" charset="0"/>
+              </a:rPr>
+              <a:t>document.getElementById</a:t>
+            </a:r>
+            <a:r>
+              <a:rPr lang="pl-PL" altLang="pl-PL" dirty="0">
+                <a:solidFill>
+                  <a:srgbClr val="000000"/>
+                </a:solidFill>
+                <a:latin typeface="Courier New" panose="02070309020205020404" pitchFamily="49" charset="0"/>
+                <a:cs typeface="Courier New" panose="02070309020205020404" pitchFamily="49" charset="0"/>
+              </a:rPr>
+              <a:t>("</a:t>
+            </a:r>
+            <a:r>
+              <a:rPr lang="pl-PL" altLang="pl-PL" dirty="0" err="1">
+                <a:solidFill>
+                  <a:srgbClr val="000000"/>
+                </a:solidFill>
+                <a:latin typeface="Courier New" panose="02070309020205020404" pitchFamily="49" charset="0"/>
+                <a:cs typeface="Courier New" panose="02070309020205020404" pitchFamily="49" charset="0"/>
+              </a:rPr>
+              <a:t>root</a:t>
+            </a:r>
+            <a:r>
+              <a:rPr lang="pl-PL" altLang="pl-PL" dirty="0">
+                <a:solidFill>
+                  <a:srgbClr val="000000"/>
+                </a:solidFill>
+                <a:latin typeface="Courier New" panose="02070309020205020404" pitchFamily="49" charset="0"/>
+                <a:cs typeface="Courier New" panose="02070309020205020404" pitchFamily="49" charset="0"/>
+              </a:rPr>
+              <a:t>"));</a:t>
+            </a:r>
+            <a:r>
+              <a:rPr lang="pl-PL" altLang="pl-PL" sz="1100" dirty="0"/>
+              <a:t> </a:t>
+            </a:r>
+            <a:endParaRPr lang="pl-PL" altLang="pl-PL" sz="3200" dirty="0">
+              <a:latin typeface="Arial" panose="020B0604020202020204" pitchFamily="34" charset="0"/>
             </a:endParaRPr>
           </a:p>
         </p:txBody>
@@ -31479,20 +32800,13 @@
     </p:spTree>
     <p:extLst>
       <p:ext uri="{BB962C8B-B14F-4D97-AF65-F5344CB8AC3E}">
-        <p14:creationId xmlns:p14="http://schemas.microsoft.com/office/powerpoint/2010/main" val="3097668578"/>
+        <p14:creationId xmlns:p14="http://schemas.microsoft.com/office/powerpoint/2010/main" val="1594083665"/>
       </p:ext>
     </p:extLst>
   </p:cSld>
   <p:clrMapOvr>
     <a:masterClrMapping/>
   </p:clrMapOvr>
-  <p:timing>
-    <p:tnLst>
-      <p:par>
-        <p:cTn id="1" dur="indefinite" restart="never" nodeType="tmRoot"/>
-      </p:par>
-    </p:tnLst>
-  </p:timing>
 </p:sld>
 </file>
 
@@ -32404,6 +33718,12 @@
 </file>
 
 <file path=customXml/item1.xml><?xml version="1.0" encoding="utf-8"?>
+<p:properties xmlns:p="http://schemas.microsoft.com/office/2006/metadata/properties" xmlns:xsi="http://www.w3.org/2001/XMLSchema-instance" xmlns:pc="http://schemas.microsoft.com/office/infopath/2007/PartnerControls">
+  <documentManagement/>
+</p:properties>
+</file>
+
+<file path=customXml/item2.xml><?xml version="1.0" encoding="utf-8"?>
 <ct:contentTypeSchema xmlns:ct="http://schemas.microsoft.com/office/2006/metadata/contentType" xmlns:ma="http://schemas.microsoft.com/office/2006/metadata/properties/metaAttributes" ct:_="" ma:_="" ma:contentTypeName="Document" ma:contentTypeID="0x010100E8F12BE245991342A0587ECAD0C0C9B5" ma:contentTypeVersion="4" ma:contentTypeDescription="Create a new document." ma:contentTypeScope="" ma:versionID="20152eaca63f8d5512e40dbee0a2940d">
   <xsd:schema xmlns:xsd="http://www.w3.org/2001/XMLSchema" xmlns:xs="http://www.w3.org/2001/XMLSchema" xmlns:p="http://schemas.microsoft.com/office/2006/metadata/properties" xmlns:ns2="a77edf2c-91dc-4355-96cc-46f2baef6181" targetNamespace="http://schemas.microsoft.com/office/2006/metadata/properties" ma:root="true" ma:fieldsID="51de2683cc282c7e1d82d7048882591f" ns2:_="">
     <xsd:import namespace="a77edf2c-91dc-4355-96cc-46f2baef6181"/>
@@ -32565,12 +33885,6 @@
 </ct:contentTypeSchema>
 </file>
 
-<file path=customXml/item2.xml><?xml version="1.0" encoding="utf-8"?>
-<p:properties xmlns:p="http://schemas.microsoft.com/office/2006/metadata/properties" xmlns:xsi="http://www.w3.org/2001/XMLSchema-instance" xmlns:pc="http://schemas.microsoft.com/office/infopath/2007/PartnerControls">
-  <documentManagement/>
-</p:properties>
-</file>
-
 <file path=customXml/item3.xml><?xml version="1.0" encoding="utf-8"?>
 <?mso-contentType ?>
 <FormTemplates xmlns="http://schemas.microsoft.com/sharepoint/v3/contenttype/forms">
@@ -32581,6 +33895,22 @@
 </file>
 
 <file path=customXml/itemProps1.xml><?xml version="1.0" encoding="utf-8"?>
+<ds:datastoreItem xmlns:ds="http://schemas.openxmlformats.org/officeDocument/2006/customXml" ds:itemID="{97C1B002-77A9-492A-98F2-FAC5E32C0939}">
+  <ds:schemaRefs>
+    <ds:schemaRef ds:uri="http://purl.org/dc/terms/"/>
+    <ds:schemaRef ds:uri="http://schemas.microsoft.com/office/infopath/2007/PartnerControls"/>
+    <ds:schemaRef ds:uri="http://purl.org/dc/dcmitype/"/>
+    <ds:schemaRef ds:uri="http://www.w3.org/XML/1998/namespace"/>
+    <ds:schemaRef ds:uri="http://schemas.openxmlformats.org/package/2006/metadata/core-properties"/>
+    <ds:schemaRef ds:uri="http://schemas.microsoft.com/office/2006/documentManagement/types"/>
+    <ds:schemaRef ds:uri="a77edf2c-91dc-4355-96cc-46f2baef6181"/>
+    <ds:schemaRef ds:uri="http://schemas.microsoft.com/office/2006/metadata/properties"/>
+    <ds:schemaRef ds:uri="http://purl.org/dc/elements/1.1/"/>
+  </ds:schemaRefs>
+</ds:datastoreItem>
+</file>
+
+<file path=customXml/itemProps2.xml><?xml version="1.0" encoding="utf-8"?>
 <ds:datastoreItem xmlns:ds="http://schemas.openxmlformats.org/officeDocument/2006/customXml" ds:itemID="{67641F26-B7E3-4AC6-98BD-DAECA3703D93}">
   <ds:schemaRefs>
     <ds:schemaRef ds:uri="http://schemas.microsoft.com/office/2006/metadata/contentType"/>
@@ -32598,22 +33928,6 @@
 </ds:datastoreItem>
 </file>
 
-<file path=customXml/itemProps2.xml><?xml version="1.0" encoding="utf-8"?>
-<ds:datastoreItem xmlns:ds="http://schemas.openxmlformats.org/officeDocument/2006/customXml" ds:itemID="{97C1B002-77A9-492A-98F2-FAC5E32C0939}">
-  <ds:schemaRefs>
-    <ds:schemaRef ds:uri="http://purl.org/dc/terms/"/>
-    <ds:schemaRef ds:uri="http://schemas.microsoft.com/office/infopath/2007/PartnerControls"/>
-    <ds:schemaRef ds:uri="http://purl.org/dc/dcmitype/"/>
-    <ds:schemaRef ds:uri="http://www.w3.org/XML/1998/namespace"/>
-    <ds:schemaRef ds:uri="http://schemas.openxmlformats.org/package/2006/metadata/core-properties"/>
-    <ds:schemaRef ds:uri="http://schemas.microsoft.com/office/2006/documentManagement/types"/>
-    <ds:schemaRef ds:uri="a77edf2c-91dc-4355-96cc-46f2baef6181"/>
-    <ds:schemaRef ds:uri="http://schemas.microsoft.com/office/2006/metadata/properties"/>
-    <ds:schemaRef ds:uri="http://purl.org/dc/elements/1.1/"/>
-  </ds:schemaRefs>
-</ds:datastoreItem>
-</file>
-
 <file path=customXml/itemProps3.xml><?xml version="1.0" encoding="utf-8"?>
 <ds:datastoreItem xmlns:ds="http://schemas.openxmlformats.org/officeDocument/2006/customXml" ds:itemID="{4F605015-1DD7-43D1-932A-6D3E8A87533B}">
   <ds:schemaRefs>
